--- a/Thanh Thảo - 0912431/Seminar/topic#8b chapter 4-5.pptx
+++ b/Thanh Thảo - 0912431/Seminar/topic#8b chapter 4-5.pptx
@@ -1647,6 +1647,753 @@
 </file>
 
 <file path=ppt/diagrams/colors3.xml><?xml version="1.0" encoding="utf-8"?>
+<dgm:colorsDef xmlns:dgm="http://schemas.openxmlformats.org/drawingml/2006/diagram" xmlns:a="http://schemas.openxmlformats.org/drawingml/2006/main" uniqueId="urn:microsoft.com/office/officeart/2005/8/colors/accent1_2">
+  <dgm:title val=""/>
+  <dgm:desc val=""/>
+  <dgm:catLst>
+    <dgm:cat type="accent1" pri="11200"/>
+  </dgm:catLst>
+  <dgm:styleLbl name="node0">
+    <dgm:fillClrLst meth="repeat">
+      <a:schemeClr val="accent1"/>
+    </dgm:fillClrLst>
+    <dgm:linClrLst meth="repeat">
+      <a:schemeClr val="lt1"/>
+    </dgm:linClrLst>
+    <dgm:effectClrLst/>
+    <dgm:txLinClrLst/>
+    <dgm:txFillClrLst/>
+    <dgm:txEffectClrLst/>
+  </dgm:styleLbl>
+  <dgm:styleLbl name="alignNode1">
+    <dgm:fillClrLst meth="repeat">
+      <a:schemeClr val="accent1"/>
+    </dgm:fillClrLst>
+    <dgm:linClrLst meth="repeat">
+      <a:schemeClr val="accent1"/>
+    </dgm:linClrLst>
+    <dgm:effectClrLst/>
+    <dgm:txLinClrLst/>
+    <dgm:txFillClrLst/>
+    <dgm:txEffectClrLst/>
+  </dgm:styleLbl>
+  <dgm:styleLbl name="node1">
+    <dgm:fillClrLst meth="repeat">
+      <a:schemeClr val="accent1"/>
+    </dgm:fillClrLst>
+    <dgm:linClrLst meth="repeat">
+      <a:schemeClr val="lt1"/>
+    </dgm:linClrLst>
+    <dgm:effectClrLst/>
+    <dgm:txLinClrLst/>
+    <dgm:txFillClrLst/>
+    <dgm:txEffectClrLst/>
+  </dgm:styleLbl>
+  <dgm:styleLbl name="lnNode1">
+    <dgm:fillClrLst meth="repeat">
+      <a:schemeClr val="accent1"/>
+    </dgm:fillClrLst>
+    <dgm:linClrLst meth="repeat">
+      <a:schemeClr val="lt1"/>
+    </dgm:linClrLst>
+    <dgm:effectClrLst/>
+    <dgm:txLinClrLst/>
+    <dgm:txFillClrLst/>
+    <dgm:txEffectClrLst/>
+  </dgm:styleLbl>
+  <dgm:styleLbl name="vennNode1">
+    <dgm:fillClrLst meth="repeat">
+      <a:schemeClr val="accent1">
+        <a:alpha val="50000"/>
+      </a:schemeClr>
+    </dgm:fillClrLst>
+    <dgm:linClrLst meth="repeat">
+      <a:schemeClr val="lt1"/>
+    </dgm:linClrLst>
+    <dgm:effectClrLst/>
+    <dgm:txLinClrLst/>
+    <dgm:txFillClrLst/>
+    <dgm:txEffectClrLst/>
+  </dgm:styleLbl>
+  <dgm:styleLbl name="node2">
+    <dgm:fillClrLst meth="repeat">
+      <a:schemeClr val="accent1"/>
+    </dgm:fillClrLst>
+    <dgm:linClrLst meth="repeat">
+      <a:schemeClr val="lt1"/>
+    </dgm:linClrLst>
+    <dgm:effectClrLst/>
+    <dgm:txLinClrLst/>
+    <dgm:txFillClrLst/>
+    <dgm:txEffectClrLst/>
+  </dgm:styleLbl>
+  <dgm:styleLbl name="node3">
+    <dgm:fillClrLst meth="repeat">
+      <a:schemeClr val="accent1"/>
+    </dgm:fillClrLst>
+    <dgm:linClrLst meth="repeat">
+      <a:schemeClr val="lt1"/>
+    </dgm:linClrLst>
+    <dgm:effectClrLst/>
+    <dgm:txLinClrLst/>
+    <dgm:txFillClrLst/>
+    <dgm:txEffectClrLst/>
+  </dgm:styleLbl>
+  <dgm:styleLbl name="node4">
+    <dgm:fillClrLst meth="repeat">
+      <a:schemeClr val="accent1"/>
+    </dgm:fillClrLst>
+    <dgm:linClrLst meth="repeat">
+      <a:schemeClr val="lt1"/>
+    </dgm:linClrLst>
+    <dgm:effectClrLst/>
+    <dgm:txLinClrLst/>
+    <dgm:txFillClrLst/>
+    <dgm:txEffectClrLst/>
+  </dgm:styleLbl>
+  <dgm:styleLbl name="fgImgPlace1">
+    <dgm:fillClrLst meth="repeat">
+      <a:schemeClr val="accent1">
+        <a:tint val="50000"/>
+      </a:schemeClr>
+    </dgm:fillClrLst>
+    <dgm:linClrLst meth="repeat">
+      <a:schemeClr val="lt1"/>
+    </dgm:linClrLst>
+    <dgm:effectClrLst/>
+    <dgm:txLinClrLst/>
+    <dgm:txFillClrLst meth="repeat">
+      <a:schemeClr val="lt1"/>
+    </dgm:txFillClrLst>
+    <dgm:txEffectClrLst/>
+  </dgm:styleLbl>
+  <dgm:styleLbl name="alignImgPlace1">
+    <dgm:fillClrLst meth="repeat">
+      <a:schemeClr val="accent1">
+        <a:tint val="50000"/>
+      </a:schemeClr>
+    </dgm:fillClrLst>
+    <dgm:linClrLst meth="repeat">
+      <a:schemeClr val="lt1"/>
+    </dgm:linClrLst>
+    <dgm:effectClrLst/>
+    <dgm:txLinClrLst/>
+    <dgm:txFillClrLst meth="repeat">
+      <a:schemeClr val="lt1"/>
+    </dgm:txFillClrLst>
+    <dgm:txEffectClrLst/>
+  </dgm:styleLbl>
+  <dgm:styleLbl name="bgImgPlace1">
+    <dgm:fillClrLst meth="repeat">
+      <a:schemeClr val="accent1">
+        <a:tint val="50000"/>
+      </a:schemeClr>
+    </dgm:fillClrLst>
+    <dgm:linClrLst meth="repeat">
+      <a:schemeClr val="lt1"/>
+    </dgm:linClrLst>
+    <dgm:effectClrLst/>
+    <dgm:txLinClrLst/>
+    <dgm:txFillClrLst meth="repeat">
+      <a:schemeClr val="lt1"/>
+    </dgm:txFillClrLst>
+    <dgm:txEffectClrLst/>
+  </dgm:styleLbl>
+  <dgm:styleLbl name="sibTrans2D1">
+    <dgm:fillClrLst meth="repeat">
+      <a:schemeClr val="accent1">
+        <a:tint val="60000"/>
+      </a:schemeClr>
+    </dgm:fillClrLst>
+    <dgm:linClrLst meth="repeat">
+      <a:schemeClr val="accent1">
+        <a:tint val="60000"/>
+      </a:schemeClr>
+    </dgm:linClrLst>
+    <dgm:effectClrLst/>
+    <dgm:txLinClrLst/>
+    <dgm:txFillClrLst/>
+    <dgm:txEffectClrLst/>
+  </dgm:styleLbl>
+  <dgm:styleLbl name="fgSibTrans2D1">
+    <dgm:fillClrLst meth="repeat">
+      <a:schemeClr val="accent1">
+        <a:tint val="60000"/>
+      </a:schemeClr>
+    </dgm:fillClrLst>
+    <dgm:linClrLst meth="repeat">
+      <a:schemeClr val="accent1">
+        <a:tint val="60000"/>
+      </a:schemeClr>
+    </dgm:linClrLst>
+    <dgm:effectClrLst/>
+    <dgm:txLinClrLst/>
+    <dgm:txFillClrLst/>
+    <dgm:txEffectClrLst/>
+  </dgm:styleLbl>
+  <dgm:styleLbl name="bgSibTrans2D1">
+    <dgm:fillClrLst meth="repeat">
+      <a:schemeClr val="accent1">
+        <a:tint val="60000"/>
+      </a:schemeClr>
+    </dgm:fillClrLst>
+    <dgm:linClrLst meth="repeat">
+      <a:schemeClr val="accent1">
+        <a:tint val="60000"/>
+      </a:schemeClr>
+    </dgm:linClrLst>
+    <dgm:effectClrLst/>
+    <dgm:txLinClrLst/>
+    <dgm:txFillClrLst/>
+    <dgm:txEffectClrLst/>
+  </dgm:styleLbl>
+  <dgm:styleLbl name="sibTrans1D1">
+    <dgm:fillClrLst meth="repeat">
+      <a:schemeClr val="accent1"/>
+    </dgm:fillClrLst>
+    <dgm:linClrLst meth="repeat">
+      <a:schemeClr val="accent1"/>
+    </dgm:linClrLst>
+    <dgm:effectClrLst/>
+    <dgm:txLinClrLst/>
+    <dgm:txFillClrLst meth="repeat">
+      <a:schemeClr val="tx1"/>
+    </dgm:txFillClrLst>
+    <dgm:txEffectClrLst/>
+  </dgm:styleLbl>
+  <dgm:styleLbl name="callout">
+    <dgm:fillClrLst meth="repeat">
+      <a:schemeClr val="accent1"/>
+    </dgm:fillClrLst>
+    <dgm:linClrLst meth="repeat">
+      <a:schemeClr val="accent1">
+        <a:tint val="50000"/>
+      </a:schemeClr>
+    </dgm:linClrLst>
+    <dgm:effectClrLst/>
+    <dgm:txLinClrLst/>
+    <dgm:txFillClrLst meth="repeat">
+      <a:schemeClr val="tx1"/>
+    </dgm:txFillClrLst>
+    <dgm:txEffectClrLst/>
+  </dgm:styleLbl>
+  <dgm:styleLbl name="asst0">
+    <dgm:fillClrLst meth="repeat">
+      <a:schemeClr val="accent1"/>
+    </dgm:fillClrLst>
+    <dgm:linClrLst meth="repeat">
+      <a:schemeClr val="lt1"/>
+    </dgm:linClrLst>
+    <dgm:effectClrLst/>
+    <dgm:txLinClrLst/>
+    <dgm:txFillClrLst/>
+    <dgm:txEffectClrLst/>
+  </dgm:styleLbl>
+  <dgm:styleLbl name="asst1">
+    <dgm:fillClrLst meth="repeat">
+      <a:schemeClr val="accent1"/>
+    </dgm:fillClrLst>
+    <dgm:linClrLst meth="repeat">
+      <a:schemeClr val="lt1"/>
+    </dgm:linClrLst>
+    <dgm:effectClrLst/>
+    <dgm:txLinClrLst/>
+    <dgm:txFillClrLst/>
+    <dgm:txEffectClrLst/>
+  </dgm:styleLbl>
+  <dgm:styleLbl name="asst2">
+    <dgm:fillClrLst meth="repeat">
+      <a:schemeClr val="accent1"/>
+    </dgm:fillClrLst>
+    <dgm:linClrLst meth="repeat">
+      <a:schemeClr val="lt1"/>
+    </dgm:linClrLst>
+    <dgm:effectClrLst/>
+    <dgm:txLinClrLst/>
+    <dgm:txFillClrLst/>
+    <dgm:txEffectClrLst/>
+  </dgm:styleLbl>
+  <dgm:styleLbl name="asst3">
+    <dgm:fillClrLst meth="repeat">
+      <a:schemeClr val="accent1"/>
+    </dgm:fillClrLst>
+    <dgm:linClrLst meth="repeat">
+      <a:schemeClr val="lt1"/>
+    </dgm:linClrLst>
+    <dgm:effectClrLst/>
+    <dgm:txLinClrLst/>
+    <dgm:txFillClrLst/>
+    <dgm:txEffectClrLst/>
+  </dgm:styleLbl>
+  <dgm:styleLbl name="asst4">
+    <dgm:fillClrLst meth="repeat">
+      <a:schemeClr val="accent1"/>
+    </dgm:fillClrLst>
+    <dgm:linClrLst meth="repeat">
+      <a:schemeClr val="lt1"/>
+    </dgm:linClrLst>
+    <dgm:effectClrLst/>
+    <dgm:txLinClrLst/>
+    <dgm:txFillClrLst/>
+    <dgm:txEffectClrLst/>
+  </dgm:styleLbl>
+  <dgm:styleLbl name="parChTrans2D1">
+    <dgm:fillClrLst meth="repeat">
+      <a:schemeClr val="accent1">
+        <a:tint val="60000"/>
+      </a:schemeClr>
+    </dgm:fillClrLst>
+    <dgm:linClrLst meth="repeat">
+      <a:schemeClr val="accent1">
+        <a:tint val="60000"/>
+      </a:schemeClr>
+    </dgm:linClrLst>
+    <dgm:effectClrLst/>
+    <dgm:txLinClrLst/>
+    <dgm:txFillClrLst meth="repeat">
+      <a:schemeClr val="lt1"/>
+    </dgm:txFillClrLst>
+    <dgm:txEffectClrLst/>
+  </dgm:styleLbl>
+  <dgm:styleLbl name="parChTrans2D2">
+    <dgm:fillClrLst meth="repeat">
+      <a:schemeClr val="accent1"/>
+    </dgm:fillClrLst>
+    <dgm:linClrLst meth="repeat">
+      <a:schemeClr val="accent1"/>
+    </dgm:linClrLst>
+    <dgm:effectClrLst/>
+    <dgm:txLinClrLst/>
+    <dgm:txFillClrLst meth="repeat">
+      <a:schemeClr val="lt1"/>
+    </dgm:txFillClrLst>
+    <dgm:txEffectClrLst/>
+  </dgm:styleLbl>
+  <dgm:styleLbl name="parChTrans2D3">
+    <dgm:fillClrLst meth="repeat">
+      <a:schemeClr val="accent1"/>
+    </dgm:fillClrLst>
+    <dgm:linClrLst meth="repeat">
+      <a:schemeClr val="accent1"/>
+    </dgm:linClrLst>
+    <dgm:effectClrLst/>
+    <dgm:txLinClrLst/>
+    <dgm:txFillClrLst meth="repeat">
+      <a:schemeClr val="lt1"/>
+    </dgm:txFillClrLst>
+    <dgm:txEffectClrLst/>
+  </dgm:styleLbl>
+  <dgm:styleLbl name="parChTrans2D4">
+    <dgm:fillClrLst meth="repeat">
+      <a:schemeClr val="accent1"/>
+    </dgm:fillClrLst>
+    <dgm:linClrLst meth="repeat">
+      <a:schemeClr val="accent1"/>
+    </dgm:linClrLst>
+    <dgm:effectClrLst/>
+    <dgm:txLinClrLst/>
+    <dgm:txFillClrLst meth="repeat">
+      <a:schemeClr val="lt1"/>
+    </dgm:txFillClrLst>
+    <dgm:txEffectClrLst/>
+  </dgm:styleLbl>
+  <dgm:styleLbl name="parChTrans1D1">
+    <dgm:fillClrLst meth="repeat">
+      <a:schemeClr val="accent1"/>
+    </dgm:fillClrLst>
+    <dgm:linClrLst meth="repeat">
+      <a:schemeClr val="accent1">
+        <a:shade val="60000"/>
+      </a:schemeClr>
+    </dgm:linClrLst>
+    <dgm:effectClrLst/>
+    <dgm:txLinClrLst/>
+    <dgm:txFillClrLst meth="repeat">
+      <a:schemeClr val="tx1"/>
+    </dgm:txFillClrLst>
+    <dgm:txEffectClrLst/>
+  </dgm:styleLbl>
+  <dgm:styleLbl name="parChTrans1D2">
+    <dgm:fillClrLst meth="repeat">
+      <a:schemeClr val="accent1"/>
+    </dgm:fillClrLst>
+    <dgm:linClrLst meth="repeat">
+      <a:schemeClr val="accent1">
+        <a:shade val="60000"/>
+      </a:schemeClr>
+    </dgm:linClrLst>
+    <dgm:effectClrLst/>
+    <dgm:txLinClrLst/>
+    <dgm:txFillClrLst meth="repeat">
+      <a:schemeClr val="tx1"/>
+    </dgm:txFillClrLst>
+    <dgm:txEffectClrLst/>
+  </dgm:styleLbl>
+  <dgm:styleLbl name="parChTrans1D3">
+    <dgm:fillClrLst meth="repeat">
+      <a:schemeClr val="accent1"/>
+    </dgm:fillClrLst>
+    <dgm:linClrLst meth="repeat">
+      <a:schemeClr val="accent1">
+        <a:shade val="80000"/>
+      </a:schemeClr>
+    </dgm:linClrLst>
+    <dgm:effectClrLst/>
+    <dgm:txLinClrLst/>
+    <dgm:txFillClrLst meth="repeat">
+      <a:schemeClr val="tx1"/>
+    </dgm:txFillClrLst>
+    <dgm:txEffectClrLst/>
+  </dgm:styleLbl>
+  <dgm:styleLbl name="parChTrans1D4">
+    <dgm:fillClrLst meth="repeat">
+      <a:schemeClr val="accent1"/>
+    </dgm:fillClrLst>
+    <dgm:linClrLst meth="repeat">
+      <a:schemeClr val="accent1">
+        <a:shade val="80000"/>
+      </a:schemeClr>
+    </dgm:linClrLst>
+    <dgm:effectClrLst/>
+    <dgm:txLinClrLst/>
+    <dgm:txFillClrLst meth="repeat">
+      <a:schemeClr val="tx1"/>
+    </dgm:txFillClrLst>
+    <dgm:txEffectClrLst/>
+  </dgm:styleLbl>
+  <dgm:styleLbl name="fgAcc1">
+    <dgm:fillClrLst meth="repeat">
+      <a:schemeClr val="lt1">
+        <a:alpha val="90000"/>
+      </a:schemeClr>
+    </dgm:fillClrLst>
+    <dgm:linClrLst meth="repeat">
+      <a:schemeClr val="accent1"/>
+    </dgm:linClrLst>
+    <dgm:effectClrLst/>
+    <dgm:txLinClrLst/>
+    <dgm:txFillClrLst meth="repeat">
+      <a:schemeClr val="dk1"/>
+    </dgm:txFillClrLst>
+    <dgm:txEffectClrLst/>
+  </dgm:styleLbl>
+  <dgm:styleLbl name="conFgAcc1">
+    <dgm:fillClrLst meth="repeat">
+      <a:schemeClr val="lt1">
+        <a:alpha val="90000"/>
+      </a:schemeClr>
+    </dgm:fillClrLst>
+    <dgm:linClrLst meth="repeat">
+      <a:schemeClr val="accent1"/>
+    </dgm:linClrLst>
+    <dgm:effectClrLst/>
+    <dgm:txLinClrLst/>
+    <dgm:txFillClrLst meth="repeat">
+      <a:schemeClr val="dk1"/>
+    </dgm:txFillClrLst>
+    <dgm:txEffectClrLst/>
+  </dgm:styleLbl>
+  <dgm:styleLbl name="alignAcc1">
+    <dgm:fillClrLst meth="repeat">
+      <a:schemeClr val="lt1">
+        <a:alpha val="90000"/>
+      </a:schemeClr>
+    </dgm:fillClrLst>
+    <dgm:linClrLst meth="repeat">
+      <a:schemeClr val="accent1"/>
+    </dgm:linClrLst>
+    <dgm:effectClrLst/>
+    <dgm:txLinClrLst/>
+    <dgm:txFillClrLst meth="repeat">
+      <a:schemeClr val="dk1"/>
+    </dgm:txFillClrLst>
+    <dgm:txEffectClrLst/>
+  </dgm:styleLbl>
+  <dgm:styleLbl name="trAlignAcc1">
+    <dgm:fillClrLst meth="repeat">
+      <a:schemeClr val="lt1">
+        <a:alpha val="40000"/>
+      </a:schemeClr>
+    </dgm:fillClrLst>
+    <dgm:linClrLst meth="repeat">
+      <a:schemeClr val="accent1"/>
+    </dgm:linClrLst>
+    <dgm:effectClrLst/>
+    <dgm:txLinClrLst/>
+    <dgm:txFillClrLst meth="repeat">
+      <a:schemeClr val="dk1"/>
+    </dgm:txFillClrLst>
+    <dgm:txEffectClrLst/>
+  </dgm:styleLbl>
+  <dgm:styleLbl name="bgAcc1">
+    <dgm:fillClrLst meth="repeat">
+      <a:schemeClr val="lt1">
+        <a:alpha val="90000"/>
+      </a:schemeClr>
+    </dgm:fillClrLst>
+    <dgm:linClrLst meth="repeat">
+      <a:schemeClr val="accent1"/>
+    </dgm:linClrLst>
+    <dgm:effectClrLst/>
+    <dgm:txLinClrLst/>
+    <dgm:txFillClrLst meth="repeat">
+      <a:schemeClr val="dk1"/>
+    </dgm:txFillClrLst>
+    <dgm:txEffectClrLst/>
+  </dgm:styleLbl>
+  <dgm:styleLbl name="solidFgAcc1">
+    <dgm:fillClrLst meth="repeat">
+      <a:schemeClr val="lt1"/>
+    </dgm:fillClrLst>
+    <dgm:linClrLst meth="repeat">
+      <a:schemeClr val="accent1"/>
+    </dgm:linClrLst>
+    <dgm:effectClrLst/>
+    <dgm:txLinClrLst/>
+    <dgm:txFillClrLst meth="repeat">
+      <a:schemeClr val="dk1"/>
+    </dgm:txFillClrLst>
+    <dgm:txEffectClrLst/>
+  </dgm:styleLbl>
+  <dgm:styleLbl name="solidAlignAcc1">
+    <dgm:fillClrLst meth="repeat">
+      <a:schemeClr val="lt1"/>
+    </dgm:fillClrLst>
+    <dgm:linClrLst meth="repeat">
+      <a:schemeClr val="accent1"/>
+    </dgm:linClrLst>
+    <dgm:effectClrLst/>
+    <dgm:txLinClrLst/>
+    <dgm:txFillClrLst meth="repeat">
+      <a:schemeClr val="dk1"/>
+    </dgm:txFillClrLst>
+    <dgm:txEffectClrLst/>
+  </dgm:styleLbl>
+  <dgm:styleLbl name="solidBgAcc1">
+    <dgm:fillClrLst meth="repeat">
+      <a:schemeClr val="lt1"/>
+    </dgm:fillClrLst>
+    <dgm:linClrLst meth="repeat">
+      <a:schemeClr val="accent1"/>
+    </dgm:linClrLst>
+    <dgm:effectClrLst/>
+    <dgm:txLinClrLst/>
+    <dgm:txFillClrLst meth="repeat">
+      <a:schemeClr val="dk1"/>
+    </dgm:txFillClrLst>
+    <dgm:txEffectClrLst/>
+  </dgm:styleLbl>
+  <dgm:styleLbl name="fgAccFollowNode1">
+    <dgm:fillClrLst meth="repeat">
+      <a:schemeClr val="accent1">
+        <a:alpha val="90000"/>
+        <a:tint val="40000"/>
+      </a:schemeClr>
+    </dgm:fillClrLst>
+    <dgm:linClrLst meth="repeat">
+      <a:schemeClr val="accent1">
+        <a:alpha val="90000"/>
+        <a:tint val="40000"/>
+      </a:schemeClr>
+    </dgm:linClrLst>
+    <dgm:effectClrLst/>
+    <dgm:txLinClrLst/>
+    <dgm:txFillClrLst meth="repeat">
+      <a:schemeClr val="dk1"/>
+    </dgm:txFillClrLst>
+    <dgm:txEffectClrLst/>
+  </dgm:styleLbl>
+  <dgm:styleLbl name="alignAccFollowNode1">
+    <dgm:fillClrLst meth="repeat">
+      <a:schemeClr val="accent1">
+        <a:alpha val="90000"/>
+        <a:tint val="40000"/>
+      </a:schemeClr>
+    </dgm:fillClrLst>
+    <dgm:linClrLst meth="repeat">
+      <a:schemeClr val="accent1">
+        <a:alpha val="90000"/>
+        <a:tint val="40000"/>
+      </a:schemeClr>
+    </dgm:linClrLst>
+    <dgm:effectClrLst/>
+    <dgm:txLinClrLst/>
+    <dgm:txFillClrLst meth="repeat">
+      <a:schemeClr val="dk1"/>
+    </dgm:txFillClrLst>
+    <dgm:txEffectClrLst/>
+  </dgm:styleLbl>
+  <dgm:styleLbl name="bgAccFollowNode1">
+    <dgm:fillClrLst meth="repeat">
+      <a:schemeClr val="accent1">
+        <a:alpha val="90000"/>
+        <a:tint val="40000"/>
+      </a:schemeClr>
+    </dgm:fillClrLst>
+    <dgm:linClrLst meth="repeat">
+      <a:schemeClr val="accent1">
+        <a:alpha val="90000"/>
+        <a:tint val="40000"/>
+      </a:schemeClr>
+    </dgm:linClrLst>
+    <dgm:effectClrLst/>
+    <dgm:txLinClrLst/>
+    <dgm:txFillClrLst meth="repeat">
+      <a:schemeClr val="dk1"/>
+    </dgm:txFillClrLst>
+    <dgm:txEffectClrLst/>
+  </dgm:styleLbl>
+  <dgm:styleLbl name="fgAcc0">
+    <dgm:fillClrLst meth="repeat">
+      <a:schemeClr val="lt1">
+        <a:alpha val="90000"/>
+      </a:schemeClr>
+    </dgm:fillClrLst>
+    <dgm:linClrLst meth="repeat">
+      <a:schemeClr val="accent1"/>
+    </dgm:linClrLst>
+    <dgm:effectClrLst/>
+    <dgm:txLinClrLst/>
+    <dgm:txFillClrLst meth="repeat">
+      <a:schemeClr val="dk1"/>
+    </dgm:txFillClrLst>
+    <dgm:txEffectClrLst/>
+  </dgm:styleLbl>
+  <dgm:styleLbl name="fgAcc2">
+    <dgm:fillClrLst meth="repeat">
+      <a:schemeClr val="lt1">
+        <a:alpha val="90000"/>
+      </a:schemeClr>
+    </dgm:fillClrLst>
+    <dgm:linClrLst meth="repeat">
+      <a:schemeClr val="accent1"/>
+    </dgm:linClrLst>
+    <dgm:effectClrLst/>
+    <dgm:txLinClrLst/>
+    <dgm:txFillClrLst meth="repeat">
+      <a:schemeClr val="dk1"/>
+    </dgm:txFillClrLst>
+    <dgm:txEffectClrLst/>
+  </dgm:styleLbl>
+  <dgm:styleLbl name="fgAcc3">
+    <dgm:fillClrLst meth="repeat">
+      <a:schemeClr val="lt1">
+        <a:alpha val="90000"/>
+      </a:schemeClr>
+    </dgm:fillClrLst>
+    <dgm:linClrLst meth="repeat">
+      <a:schemeClr val="accent1"/>
+    </dgm:linClrLst>
+    <dgm:effectClrLst/>
+    <dgm:txLinClrLst/>
+    <dgm:txFillClrLst meth="repeat">
+      <a:schemeClr val="dk1"/>
+    </dgm:txFillClrLst>
+    <dgm:txEffectClrLst/>
+  </dgm:styleLbl>
+  <dgm:styleLbl name="fgAcc4">
+    <dgm:fillClrLst meth="repeat">
+      <a:schemeClr val="lt1">
+        <a:alpha val="90000"/>
+      </a:schemeClr>
+    </dgm:fillClrLst>
+    <dgm:linClrLst meth="repeat">
+      <a:schemeClr val="accent1"/>
+    </dgm:linClrLst>
+    <dgm:effectClrLst/>
+    <dgm:txLinClrLst/>
+    <dgm:txFillClrLst meth="repeat">
+      <a:schemeClr val="dk1"/>
+    </dgm:txFillClrLst>
+    <dgm:txEffectClrLst/>
+  </dgm:styleLbl>
+  <dgm:styleLbl name="bgShp">
+    <dgm:fillClrLst meth="repeat">
+      <a:schemeClr val="accent1">
+        <a:tint val="40000"/>
+      </a:schemeClr>
+    </dgm:fillClrLst>
+    <dgm:linClrLst meth="repeat">
+      <a:schemeClr val="accent1"/>
+    </dgm:linClrLst>
+    <dgm:effectClrLst/>
+    <dgm:txLinClrLst/>
+    <dgm:txFillClrLst meth="repeat">
+      <a:schemeClr val="dk1"/>
+    </dgm:txFillClrLst>
+    <dgm:txEffectClrLst/>
+  </dgm:styleLbl>
+  <dgm:styleLbl name="dkBgShp">
+    <dgm:fillClrLst meth="repeat">
+      <a:schemeClr val="accent1">
+        <a:shade val="80000"/>
+      </a:schemeClr>
+    </dgm:fillClrLst>
+    <dgm:linClrLst meth="repeat">
+      <a:schemeClr val="accent1"/>
+    </dgm:linClrLst>
+    <dgm:effectClrLst/>
+    <dgm:txLinClrLst/>
+    <dgm:txFillClrLst meth="repeat">
+      <a:schemeClr val="lt1"/>
+    </dgm:txFillClrLst>
+    <dgm:txEffectClrLst/>
+  </dgm:styleLbl>
+  <dgm:styleLbl name="trBgShp">
+    <dgm:fillClrLst meth="repeat">
+      <a:schemeClr val="accent1">
+        <a:tint val="50000"/>
+        <a:alpha val="40000"/>
+      </a:schemeClr>
+    </dgm:fillClrLst>
+    <dgm:linClrLst meth="repeat">
+      <a:schemeClr val="accent1"/>
+    </dgm:linClrLst>
+    <dgm:effectClrLst/>
+    <dgm:txLinClrLst/>
+    <dgm:txFillClrLst meth="repeat">
+      <a:schemeClr val="lt1"/>
+    </dgm:txFillClrLst>
+    <dgm:txEffectClrLst/>
+  </dgm:styleLbl>
+  <dgm:styleLbl name="fgShp">
+    <dgm:fillClrLst meth="repeat">
+      <a:schemeClr val="accent1">
+        <a:tint val="60000"/>
+      </a:schemeClr>
+    </dgm:fillClrLst>
+    <dgm:linClrLst meth="repeat">
+      <a:schemeClr val="lt1"/>
+    </dgm:linClrLst>
+    <dgm:effectClrLst/>
+    <dgm:txLinClrLst/>
+    <dgm:txFillClrLst meth="repeat">
+      <a:schemeClr val="dk1"/>
+    </dgm:txFillClrLst>
+    <dgm:txEffectClrLst/>
+  </dgm:styleLbl>
+  <dgm:styleLbl name="revTx">
+    <dgm:fillClrLst meth="repeat">
+      <a:schemeClr val="lt1">
+        <a:alpha val="0"/>
+      </a:schemeClr>
+    </dgm:fillClrLst>
+    <dgm:linClrLst meth="repeat">
+      <a:schemeClr val="dk1">
+        <a:alpha val="0"/>
+      </a:schemeClr>
+    </dgm:linClrLst>
+    <dgm:effectClrLst/>
+    <dgm:txLinClrLst/>
+    <dgm:txFillClrLst meth="repeat">
+      <a:schemeClr val="tx1"/>
+    </dgm:txFillClrLst>
+    <dgm:txEffectClrLst/>
+  </dgm:styleLbl>
+</dgm:colorsDef>
+</file>
+
+<file path=ppt/diagrams/colors4.xml><?xml version="1.0" encoding="utf-8"?>
 <dgm:colorsDef xmlns:dgm="http://schemas.openxmlformats.org/drawingml/2006/diagram" xmlns:a="http://schemas.openxmlformats.org/drawingml/2006/main" uniqueId="urn:microsoft.com/office/officeart/2005/8/colors/accent1_2">
   <dgm:title val=""/>
   <dgm:desc val=""/>
@@ -3354,6 +4101,497 @@
     <dgm:cxn modelId="{A0EB2557-0A79-45A4-A01A-66429939D294}" type="presParOf" srcId="{830C89E8-86E1-4A9D-9373-C6DBEE160317}" destId="{190354AD-B053-457B-A4AA-29EA6AC1DAE9}" srcOrd="2" destOrd="0" presId="urn:microsoft.com/office/officeart/2005/8/layout/vList2"/>
     <dgm:cxn modelId="{535F223D-48F2-41F3-937C-0599AD140E19}" type="presParOf" srcId="{830C89E8-86E1-4A9D-9373-C6DBEE160317}" destId="{7D5674DF-5830-44F3-899E-F3A5C71F7DC4}" srcOrd="3" destOrd="0" presId="urn:microsoft.com/office/officeart/2005/8/layout/vList2"/>
     <dgm:cxn modelId="{E87EDC31-38D7-4935-9E35-6E680CEE5AAA}" type="presParOf" srcId="{830C89E8-86E1-4A9D-9373-C6DBEE160317}" destId="{F265203F-626D-4F35-8C44-9FA6B6691113}" srcOrd="4" destOrd="0" presId="urn:microsoft.com/office/officeart/2005/8/layout/vList2"/>
+  </dgm:cxnLst>
+  <dgm:bg/>
+  <dgm:whole/>
+  <dgm:extLst>
+    <a:ext uri="http://schemas.microsoft.com/office/drawing/2008/diagram">
+      <dsp:dataModelExt xmlns:dsp="http://schemas.microsoft.com/office/drawing/2008/diagram" xmlns="" relId="rId7" minVer="http://schemas.openxmlformats.org/drawingml/2006/diagram"/>
+    </a:ext>
+  </dgm:extLst>
+</dgm:dataModel>
+</file>
+
+<file path=ppt/diagrams/data4.xml><?xml version="1.0" encoding="utf-8"?>
+<dgm:dataModel xmlns:dgm="http://schemas.openxmlformats.org/drawingml/2006/diagram" xmlns:a="http://schemas.openxmlformats.org/drawingml/2006/main">
+  <dgm:ptLst>
+    <dgm:pt modelId="{40FD9328-27FA-4E83-9371-602E0F6F8B3E}" type="doc">
+      <dgm:prSet loTypeId="urn:microsoft.com/office/officeart/2005/8/layout/list1" loCatId="list" qsTypeId="urn:microsoft.com/office/officeart/2005/8/quickstyle/simple1" qsCatId="simple" csTypeId="urn:microsoft.com/office/officeart/2005/8/colors/accent1_2" csCatId="accent1" phldr="1"/>
+      <dgm:spPr/>
+      <dgm:t>
+        <a:bodyPr/>
+        <a:lstStyle/>
+        <a:p>
+          <a:endParaRPr lang="en-US"/>
+        </a:p>
+      </dgm:t>
+    </dgm:pt>
+    <dgm:pt modelId="{5FC9284A-2EAD-4317-A81D-CCA07DA433C1}">
+      <dgm:prSet phldrT="[Text]" custT="1"/>
+      <dgm:spPr/>
+      <dgm:t>
+        <a:bodyPr/>
+        <a:lstStyle/>
+        <a:p>
+          <a:r>
+            <a:rPr lang="en-US" sz="2400" dirty="0" smtClean="0">
+              <a:solidFill>
+                <a:srgbClr val="FF0000"/>
+              </a:solidFill>
+            </a:rPr>
+            <a:t>Collection hierarchies</a:t>
+          </a:r>
+          <a:r>
+            <a:rPr lang="en-US" sz="2400" dirty="0" smtClean="0">
+              <a:solidFill>
+                <a:srgbClr val="000099"/>
+              </a:solidFill>
+            </a:rPr>
+            <a:t>: inheritance on tables</a:t>
+          </a:r>
+          <a:endParaRPr lang="en-US" sz="2400" dirty="0">
+            <a:solidFill>
+              <a:srgbClr val="000099"/>
+            </a:solidFill>
+          </a:endParaRPr>
+        </a:p>
+      </dgm:t>
+    </dgm:pt>
+    <dgm:pt modelId="{EBC2549F-9B3C-4A34-B0AA-E309ED6C96A8}" type="parTrans" cxnId="{A32220B4-B451-4BDA-9E0F-01EE5D88C475}">
+      <dgm:prSet/>
+      <dgm:spPr/>
+      <dgm:t>
+        <a:bodyPr/>
+        <a:lstStyle/>
+        <a:p>
+          <a:endParaRPr lang="en-US">
+            <a:solidFill>
+              <a:srgbClr val="000099"/>
+            </a:solidFill>
+          </a:endParaRPr>
+        </a:p>
+      </dgm:t>
+    </dgm:pt>
+    <dgm:pt modelId="{5581B500-F207-4C2A-99F7-F0F1475E1A04}" type="sibTrans" cxnId="{A32220B4-B451-4BDA-9E0F-01EE5D88C475}">
+      <dgm:prSet/>
+      <dgm:spPr/>
+      <dgm:t>
+        <a:bodyPr/>
+        <a:lstStyle/>
+        <a:p>
+          <a:endParaRPr lang="en-US">
+            <a:solidFill>
+              <a:srgbClr val="000099"/>
+            </a:solidFill>
+          </a:endParaRPr>
+        </a:p>
+      </dgm:t>
+    </dgm:pt>
+    <dgm:pt modelId="{A6FB4D6B-882B-41B0-8E87-53AC385499B0}">
+      <dgm:prSet phldrT="[Text]" custT="1"/>
+      <dgm:spPr/>
+      <dgm:t>
+        <a:bodyPr/>
+        <a:lstStyle/>
+        <a:p>
+          <a:r>
+            <a:rPr lang="en-US" sz="2000" dirty="0" smtClean="0">
+              <a:solidFill>
+                <a:srgbClr val="000099"/>
+              </a:solidFill>
+            </a:rPr>
+            <a:t>Create table </a:t>
+          </a:r>
+          <a:r>
+            <a:rPr lang="en-US" sz="2000" dirty="0" err="1" smtClean="0">
+              <a:solidFill>
+                <a:srgbClr val="000099"/>
+              </a:solidFill>
+            </a:rPr>
+            <a:t>student_emp</a:t>
+          </a:r>
+          <a:r>
+            <a:rPr lang="en-US" sz="2000" dirty="0" smtClean="0">
+              <a:solidFill>
+                <a:srgbClr val="000099"/>
+              </a:solidFill>
+            </a:rPr>
+            <a:t> under </a:t>
+          </a:r>
+          <a:r>
+            <a:rPr lang="en-US" sz="2000" dirty="0" err="1" smtClean="0">
+              <a:solidFill>
+                <a:srgbClr val="000099"/>
+              </a:solidFill>
+            </a:rPr>
+            <a:t>emp</a:t>
+          </a:r>
+          <a:r>
+            <a:rPr lang="en-US" sz="2000" dirty="0" smtClean="0">
+              <a:solidFill>
+                <a:srgbClr val="000099"/>
+              </a:solidFill>
+            </a:rPr>
+            <a:t> (</a:t>
+          </a:r>
+          <a:r>
+            <a:rPr lang="en-US" sz="2000" dirty="0" err="1" smtClean="0">
+              <a:solidFill>
+                <a:srgbClr val="000099"/>
+              </a:solidFill>
+            </a:rPr>
+            <a:t>gpa</a:t>
+          </a:r>
+          <a:r>
+            <a:rPr lang="en-US" sz="2000" dirty="0" smtClean="0">
+              <a:solidFill>
+                <a:srgbClr val="000099"/>
+              </a:solidFill>
+            </a:rPr>
+            <a:t> float)</a:t>
+          </a:r>
+          <a:endParaRPr lang="en-US" sz="2000" dirty="0">
+            <a:solidFill>
+              <a:srgbClr val="000099"/>
+            </a:solidFill>
+          </a:endParaRPr>
+        </a:p>
+      </dgm:t>
+    </dgm:pt>
+    <dgm:pt modelId="{81EB60A4-D0D2-4B4B-A890-42DBA42EE2FB}" type="parTrans" cxnId="{569115C4-2E5F-4A09-BEAB-8F117EFB3398}">
+      <dgm:prSet/>
+      <dgm:spPr/>
+      <dgm:t>
+        <a:bodyPr/>
+        <a:lstStyle/>
+        <a:p>
+          <a:endParaRPr lang="en-US">
+            <a:solidFill>
+              <a:srgbClr val="000099"/>
+            </a:solidFill>
+          </a:endParaRPr>
+        </a:p>
+      </dgm:t>
+    </dgm:pt>
+    <dgm:pt modelId="{107A0A19-BB56-4ABA-944C-251B89EBA1BC}" type="sibTrans" cxnId="{569115C4-2E5F-4A09-BEAB-8F117EFB3398}">
+      <dgm:prSet/>
+      <dgm:spPr/>
+      <dgm:t>
+        <a:bodyPr/>
+        <a:lstStyle/>
+        <a:p>
+          <a:endParaRPr lang="en-US">
+            <a:solidFill>
+              <a:srgbClr val="000099"/>
+            </a:solidFill>
+          </a:endParaRPr>
+        </a:p>
+      </dgm:t>
+    </dgm:pt>
+    <dgm:pt modelId="{65438A69-570F-45C0-AC49-3425DC83915C}">
+      <dgm:prSet phldrT="[Text]" custT="1"/>
+      <dgm:spPr/>
+      <dgm:t>
+        <a:bodyPr/>
+        <a:lstStyle/>
+        <a:p>
+          <a:r>
+            <a:rPr lang="en-US" sz="2000" dirty="0" smtClean="0">
+              <a:solidFill>
+                <a:srgbClr val="000099"/>
+              </a:solidFill>
+            </a:rPr>
+            <a:t>Queries on </a:t>
+          </a:r>
+          <a:r>
+            <a:rPr lang="en-US" sz="2000" dirty="0" err="1" smtClean="0">
+              <a:solidFill>
+                <a:srgbClr val="000099"/>
+              </a:solidFill>
+            </a:rPr>
+            <a:t>emp</a:t>
+          </a:r>
+          <a:r>
+            <a:rPr lang="en-US" sz="2000" dirty="0" smtClean="0">
+              <a:solidFill>
+                <a:srgbClr val="000099"/>
+              </a:solidFill>
+            </a:rPr>
+            <a:t> also return </a:t>
+          </a:r>
+          <a:r>
+            <a:rPr lang="en-US" sz="2000" dirty="0" err="1" smtClean="0">
+              <a:solidFill>
+                <a:srgbClr val="000099"/>
+              </a:solidFill>
+            </a:rPr>
+            <a:t>tuples</a:t>
+          </a:r>
+          <a:r>
+            <a:rPr lang="en-US" sz="2000" dirty="0" smtClean="0">
+              <a:solidFill>
+                <a:srgbClr val="000099"/>
+              </a:solidFill>
+            </a:rPr>
+            <a:t> from </a:t>
+          </a:r>
+          <a:r>
+            <a:rPr lang="en-US" sz="2000" dirty="0" err="1" smtClean="0">
+              <a:solidFill>
+                <a:srgbClr val="000099"/>
+              </a:solidFill>
+            </a:rPr>
+            <a:t>student_emp</a:t>
+          </a:r>
+          <a:r>
+            <a:rPr lang="en-US" sz="2000" dirty="0" smtClean="0">
+              <a:solidFill>
+                <a:srgbClr val="000099"/>
+              </a:solidFill>
+            </a:rPr>
+            <a:t> (unless you say “</a:t>
+          </a:r>
+          <a:r>
+            <a:rPr lang="en-US" sz="2000" dirty="0" err="1" smtClean="0">
+              <a:solidFill>
+                <a:srgbClr val="000099"/>
+              </a:solidFill>
+            </a:rPr>
+            <a:t>emp</a:t>
+          </a:r>
+          <a:r>
+            <a:rPr lang="en-US" sz="2000" dirty="0" smtClean="0">
+              <a:solidFill>
+                <a:srgbClr val="000099"/>
+              </a:solidFill>
+            </a:rPr>
+            <a:t> only”</a:t>
+          </a:r>
+          <a:endParaRPr lang="en-US" sz="2000" dirty="0">
+            <a:solidFill>
+              <a:srgbClr val="000099"/>
+            </a:solidFill>
+          </a:endParaRPr>
+        </a:p>
+      </dgm:t>
+    </dgm:pt>
+    <dgm:pt modelId="{AA01D66A-D2E3-4F56-B195-02455894B803}" type="parTrans" cxnId="{12F5A2DE-B234-4F05-9A49-E72043FFFAD1}">
+      <dgm:prSet/>
+      <dgm:spPr/>
+      <dgm:t>
+        <a:bodyPr/>
+        <a:lstStyle/>
+        <a:p>
+          <a:endParaRPr lang="en-US">
+            <a:solidFill>
+              <a:srgbClr val="000099"/>
+            </a:solidFill>
+          </a:endParaRPr>
+        </a:p>
+      </dgm:t>
+    </dgm:pt>
+    <dgm:pt modelId="{D2B52579-1C9D-41E5-9DA7-6ABC4A9B0EBB}" type="sibTrans" cxnId="{12F5A2DE-B234-4F05-9A49-E72043FFFAD1}">
+      <dgm:prSet/>
+      <dgm:spPr/>
+      <dgm:t>
+        <a:bodyPr/>
+        <a:lstStyle/>
+        <a:p>
+          <a:endParaRPr lang="en-US">
+            <a:solidFill>
+              <a:srgbClr val="000099"/>
+            </a:solidFill>
+          </a:endParaRPr>
+        </a:p>
+      </dgm:t>
+    </dgm:pt>
+    <dgm:pt modelId="{B789FD7B-3C3B-49AF-A08C-0EC0AD42AA8F}">
+      <dgm:prSet phldrT="[Text]" custT="1"/>
+      <dgm:spPr/>
+      <dgm:t>
+        <a:bodyPr/>
+        <a:lstStyle/>
+        <a:p>
+          <a:r>
+            <a:rPr lang="en-US" sz="2400" dirty="0" smtClean="0">
+              <a:solidFill>
+                <a:srgbClr val="FF0000"/>
+              </a:solidFill>
+            </a:rPr>
+            <a:t>Type extents</a:t>
+          </a:r>
+          <a:r>
+            <a:rPr lang="en-US" sz="2400" dirty="0" smtClean="0">
+              <a:solidFill>
+                <a:srgbClr val="000099"/>
+              </a:solidFill>
+            </a:rPr>
+            <a:t>: al objects of a given type can be selected from a single view (e.g., select * from </a:t>
+          </a:r>
+          <a:r>
+            <a:rPr lang="en-US" sz="2400" dirty="0" err="1" smtClean="0">
+              <a:solidFill>
+                <a:srgbClr val="000099"/>
+              </a:solidFill>
+            </a:rPr>
+            <a:t>theater_t</a:t>
+          </a:r>
+          <a:r>
+            <a:rPr lang="en-US" sz="2400" dirty="0" smtClean="0">
+              <a:solidFill>
+                <a:srgbClr val="000099"/>
+              </a:solidFill>
+            </a:rPr>
+            <a:t>)</a:t>
+          </a:r>
+          <a:endParaRPr lang="en-US" sz="2400" dirty="0">
+            <a:solidFill>
+              <a:srgbClr val="000099"/>
+            </a:solidFill>
+          </a:endParaRPr>
+        </a:p>
+      </dgm:t>
+    </dgm:pt>
+    <dgm:pt modelId="{E05618AD-E849-4D72-85A6-D6B61CFCDFDA}" type="parTrans" cxnId="{474DC384-1551-40A8-852D-011A45B22F32}">
+      <dgm:prSet/>
+      <dgm:spPr/>
+      <dgm:t>
+        <a:bodyPr/>
+        <a:lstStyle/>
+        <a:p>
+          <a:endParaRPr lang="en-US">
+            <a:solidFill>
+              <a:srgbClr val="000099"/>
+            </a:solidFill>
+          </a:endParaRPr>
+        </a:p>
+      </dgm:t>
+    </dgm:pt>
+    <dgm:pt modelId="{FE733EBB-6A0D-4A60-BBD2-C2B358646F93}" type="sibTrans" cxnId="{474DC384-1551-40A8-852D-011A45B22F32}">
+      <dgm:prSet/>
+      <dgm:spPr/>
+      <dgm:t>
+        <a:bodyPr/>
+        <a:lstStyle/>
+        <a:p>
+          <a:endParaRPr lang="en-US">
+            <a:solidFill>
+              <a:srgbClr val="000099"/>
+            </a:solidFill>
+          </a:endParaRPr>
+        </a:p>
+      </dgm:t>
+    </dgm:pt>
+    <dgm:pt modelId="{A04781C4-0233-4A1F-AAE2-8757A79B61B0}" type="pres">
+      <dgm:prSet presAssocID="{40FD9328-27FA-4E83-9371-602E0F6F8B3E}" presName="linear" presStyleCnt="0">
+        <dgm:presLayoutVars>
+          <dgm:dir/>
+          <dgm:animLvl val="lvl"/>
+          <dgm:resizeHandles val="exact"/>
+        </dgm:presLayoutVars>
+      </dgm:prSet>
+      <dgm:spPr/>
+    </dgm:pt>
+    <dgm:pt modelId="{39146DFF-00A8-44B9-A0E5-CA0B74A40618}" type="pres">
+      <dgm:prSet presAssocID="{5FC9284A-2EAD-4317-A81D-CCA07DA433C1}" presName="parentLin" presStyleCnt="0"/>
+      <dgm:spPr/>
+    </dgm:pt>
+    <dgm:pt modelId="{5ABCBA09-4E85-4885-80DF-D274ACF697DB}" type="pres">
+      <dgm:prSet presAssocID="{5FC9284A-2EAD-4317-A81D-CCA07DA433C1}" presName="parentLeftMargin" presStyleLbl="node1" presStyleIdx="0" presStyleCnt="2"/>
+      <dgm:spPr/>
+    </dgm:pt>
+    <dgm:pt modelId="{44B80E79-40B8-496D-82AC-357105294A12}" type="pres">
+      <dgm:prSet presAssocID="{5FC9284A-2EAD-4317-A81D-CCA07DA433C1}" presName="parentText" presStyleLbl="node1" presStyleIdx="0" presStyleCnt="2" custScaleX="142857">
+        <dgm:presLayoutVars>
+          <dgm:chMax val="0"/>
+          <dgm:bulletEnabled val="1"/>
+        </dgm:presLayoutVars>
+      </dgm:prSet>
+      <dgm:spPr/>
+      <dgm:t>
+        <a:bodyPr/>
+        <a:lstStyle/>
+        <a:p>
+          <a:endParaRPr lang="en-US"/>
+        </a:p>
+      </dgm:t>
+    </dgm:pt>
+    <dgm:pt modelId="{F935396A-3172-44DA-9102-52EC1F0FDC31}" type="pres">
+      <dgm:prSet presAssocID="{5FC9284A-2EAD-4317-A81D-CCA07DA433C1}" presName="negativeSpace" presStyleCnt="0"/>
+      <dgm:spPr/>
+    </dgm:pt>
+    <dgm:pt modelId="{F33055AE-4172-4B7F-BE45-2FD32D5023A2}" type="pres">
+      <dgm:prSet presAssocID="{5FC9284A-2EAD-4317-A81D-CCA07DA433C1}" presName="childText" presStyleLbl="conFgAcc1" presStyleIdx="0" presStyleCnt="2">
+        <dgm:presLayoutVars>
+          <dgm:bulletEnabled val="1"/>
+        </dgm:presLayoutVars>
+      </dgm:prSet>
+      <dgm:spPr/>
+      <dgm:t>
+        <a:bodyPr/>
+        <a:lstStyle/>
+        <a:p>
+          <a:endParaRPr lang="en-US"/>
+        </a:p>
+      </dgm:t>
+    </dgm:pt>
+    <dgm:pt modelId="{7F121591-30C4-4697-B14F-FF20BF6DDAB3}" type="pres">
+      <dgm:prSet presAssocID="{5581B500-F207-4C2A-99F7-F0F1475E1A04}" presName="spaceBetweenRectangles" presStyleCnt="0"/>
+      <dgm:spPr/>
+    </dgm:pt>
+    <dgm:pt modelId="{E100F296-7888-4381-8FCE-007DCB8C6489}" type="pres">
+      <dgm:prSet presAssocID="{B789FD7B-3C3B-49AF-A08C-0EC0AD42AA8F}" presName="parentLin" presStyleCnt="0"/>
+      <dgm:spPr/>
+    </dgm:pt>
+    <dgm:pt modelId="{12266E1A-FBF3-46FC-937F-862D51551FC8}" type="pres">
+      <dgm:prSet presAssocID="{B789FD7B-3C3B-49AF-A08C-0EC0AD42AA8F}" presName="parentLeftMargin" presStyleLbl="node1" presStyleIdx="0" presStyleCnt="2"/>
+      <dgm:spPr/>
+    </dgm:pt>
+    <dgm:pt modelId="{ABF75D69-907E-44CD-8889-E8B29F28B015}" type="pres">
+      <dgm:prSet presAssocID="{B789FD7B-3C3B-49AF-A08C-0EC0AD42AA8F}" presName="parentText" presStyleLbl="node1" presStyleIdx="1" presStyleCnt="2" custScaleX="142857">
+        <dgm:presLayoutVars>
+          <dgm:chMax val="0"/>
+          <dgm:bulletEnabled val="1"/>
+        </dgm:presLayoutVars>
+      </dgm:prSet>
+      <dgm:spPr/>
+    </dgm:pt>
+    <dgm:pt modelId="{DCE8E5A6-CAA6-4EC0-B94D-03F4244F7250}" type="pres">
+      <dgm:prSet presAssocID="{B789FD7B-3C3B-49AF-A08C-0EC0AD42AA8F}" presName="negativeSpace" presStyleCnt="0"/>
+      <dgm:spPr/>
+    </dgm:pt>
+    <dgm:pt modelId="{DA6239C2-3885-4A65-B6D3-C3007DBD38DD}" type="pres">
+      <dgm:prSet presAssocID="{B789FD7B-3C3B-49AF-A08C-0EC0AD42AA8F}" presName="childText" presStyleLbl="conFgAcc1" presStyleIdx="1" presStyleCnt="2">
+        <dgm:presLayoutVars>
+          <dgm:bulletEnabled val="1"/>
+        </dgm:presLayoutVars>
+      </dgm:prSet>
+      <dgm:spPr/>
+    </dgm:pt>
+  </dgm:ptLst>
+  <dgm:cxnLst>
+    <dgm:cxn modelId="{3674CD8F-CE02-4BD8-BA50-A72EFA3CE178}" type="presOf" srcId="{40FD9328-27FA-4E83-9371-602E0F6F8B3E}" destId="{A04781C4-0233-4A1F-AAE2-8757A79B61B0}" srcOrd="0" destOrd="0" presId="urn:microsoft.com/office/officeart/2005/8/layout/list1"/>
+    <dgm:cxn modelId="{569115C4-2E5F-4A09-BEAB-8F117EFB3398}" srcId="{5FC9284A-2EAD-4317-A81D-CCA07DA433C1}" destId="{A6FB4D6B-882B-41B0-8E87-53AC385499B0}" srcOrd="0" destOrd="0" parTransId="{81EB60A4-D0D2-4B4B-A890-42DBA42EE2FB}" sibTransId="{107A0A19-BB56-4ABA-944C-251B89EBA1BC}"/>
+    <dgm:cxn modelId="{48CE0C60-F601-49A0-BFF9-279E7907FDC0}" type="presOf" srcId="{A6FB4D6B-882B-41B0-8E87-53AC385499B0}" destId="{F33055AE-4172-4B7F-BE45-2FD32D5023A2}" srcOrd="0" destOrd="0" presId="urn:microsoft.com/office/officeart/2005/8/layout/list1"/>
+    <dgm:cxn modelId="{12F5A2DE-B234-4F05-9A49-E72043FFFAD1}" srcId="{5FC9284A-2EAD-4317-A81D-CCA07DA433C1}" destId="{65438A69-570F-45C0-AC49-3425DC83915C}" srcOrd="1" destOrd="0" parTransId="{AA01D66A-D2E3-4F56-B195-02455894B803}" sibTransId="{D2B52579-1C9D-41E5-9DA7-6ABC4A9B0EBB}"/>
+    <dgm:cxn modelId="{81CFD252-7DED-4AD6-8A33-283E6A67D15D}" type="presOf" srcId="{B789FD7B-3C3B-49AF-A08C-0EC0AD42AA8F}" destId="{12266E1A-FBF3-46FC-937F-862D51551FC8}" srcOrd="0" destOrd="0" presId="urn:microsoft.com/office/officeart/2005/8/layout/list1"/>
+    <dgm:cxn modelId="{C4442E40-FC2B-40EA-82DF-279A07CA413B}" type="presOf" srcId="{B789FD7B-3C3B-49AF-A08C-0EC0AD42AA8F}" destId="{ABF75D69-907E-44CD-8889-E8B29F28B015}" srcOrd="1" destOrd="0" presId="urn:microsoft.com/office/officeart/2005/8/layout/list1"/>
+    <dgm:cxn modelId="{A32220B4-B451-4BDA-9E0F-01EE5D88C475}" srcId="{40FD9328-27FA-4E83-9371-602E0F6F8B3E}" destId="{5FC9284A-2EAD-4317-A81D-CCA07DA433C1}" srcOrd="0" destOrd="0" parTransId="{EBC2549F-9B3C-4A34-B0AA-E309ED6C96A8}" sibTransId="{5581B500-F207-4C2A-99F7-F0F1475E1A04}"/>
+    <dgm:cxn modelId="{474DC384-1551-40A8-852D-011A45B22F32}" srcId="{40FD9328-27FA-4E83-9371-602E0F6F8B3E}" destId="{B789FD7B-3C3B-49AF-A08C-0EC0AD42AA8F}" srcOrd="1" destOrd="0" parTransId="{E05618AD-E849-4D72-85A6-D6B61CFCDFDA}" sibTransId="{FE733EBB-6A0D-4A60-BBD2-C2B358646F93}"/>
+    <dgm:cxn modelId="{076A1CC9-10A0-4145-BC9D-E9B9218EE1B7}" type="presOf" srcId="{5FC9284A-2EAD-4317-A81D-CCA07DA433C1}" destId="{44B80E79-40B8-496D-82AC-357105294A12}" srcOrd="1" destOrd="0" presId="urn:microsoft.com/office/officeart/2005/8/layout/list1"/>
+    <dgm:cxn modelId="{910120BA-112F-400C-B8EA-72CBA456CBAB}" type="presOf" srcId="{65438A69-570F-45C0-AC49-3425DC83915C}" destId="{F33055AE-4172-4B7F-BE45-2FD32D5023A2}" srcOrd="0" destOrd="1" presId="urn:microsoft.com/office/officeart/2005/8/layout/list1"/>
+    <dgm:cxn modelId="{E8C08656-FB6E-48D1-9325-FD674CA53349}" type="presOf" srcId="{5FC9284A-2EAD-4317-A81D-CCA07DA433C1}" destId="{5ABCBA09-4E85-4885-80DF-D274ACF697DB}" srcOrd="0" destOrd="0" presId="urn:microsoft.com/office/officeart/2005/8/layout/list1"/>
+    <dgm:cxn modelId="{FD537318-1FA4-4E61-AB53-AC18C27DB05E}" type="presParOf" srcId="{A04781C4-0233-4A1F-AAE2-8757A79B61B0}" destId="{39146DFF-00A8-44B9-A0E5-CA0B74A40618}" srcOrd="0" destOrd="0" presId="urn:microsoft.com/office/officeart/2005/8/layout/list1"/>
+    <dgm:cxn modelId="{B7F1FE94-B355-4968-82F3-AF4120B6F73B}" type="presParOf" srcId="{39146DFF-00A8-44B9-A0E5-CA0B74A40618}" destId="{5ABCBA09-4E85-4885-80DF-D274ACF697DB}" srcOrd="0" destOrd="0" presId="urn:microsoft.com/office/officeart/2005/8/layout/list1"/>
+    <dgm:cxn modelId="{382A56E4-EBC3-4FD7-8B65-B12121663045}" type="presParOf" srcId="{39146DFF-00A8-44B9-A0E5-CA0B74A40618}" destId="{44B80E79-40B8-496D-82AC-357105294A12}" srcOrd="1" destOrd="0" presId="urn:microsoft.com/office/officeart/2005/8/layout/list1"/>
+    <dgm:cxn modelId="{3E8E77BB-65B3-4938-A516-FE3F818524A1}" type="presParOf" srcId="{A04781C4-0233-4A1F-AAE2-8757A79B61B0}" destId="{F935396A-3172-44DA-9102-52EC1F0FDC31}" srcOrd="1" destOrd="0" presId="urn:microsoft.com/office/officeart/2005/8/layout/list1"/>
+    <dgm:cxn modelId="{33907141-A927-4A9F-8DF9-10CEA199773A}" type="presParOf" srcId="{A04781C4-0233-4A1F-AAE2-8757A79B61B0}" destId="{F33055AE-4172-4B7F-BE45-2FD32D5023A2}" srcOrd="2" destOrd="0" presId="urn:microsoft.com/office/officeart/2005/8/layout/list1"/>
+    <dgm:cxn modelId="{3A76A6A2-94E3-4812-ACBC-A4C67D93E1A7}" type="presParOf" srcId="{A04781C4-0233-4A1F-AAE2-8757A79B61B0}" destId="{7F121591-30C4-4697-B14F-FF20BF6DDAB3}" srcOrd="3" destOrd="0" presId="urn:microsoft.com/office/officeart/2005/8/layout/list1"/>
+    <dgm:cxn modelId="{E5C81ECA-21DA-447B-95A7-810C01410744}" type="presParOf" srcId="{A04781C4-0233-4A1F-AAE2-8757A79B61B0}" destId="{E100F296-7888-4381-8FCE-007DCB8C6489}" srcOrd="4" destOrd="0" presId="urn:microsoft.com/office/officeart/2005/8/layout/list1"/>
+    <dgm:cxn modelId="{DB056C55-C4AD-41F6-BBD8-6AE97FF5607D}" type="presParOf" srcId="{E100F296-7888-4381-8FCE-007DCB8C6489}" destId="{12266E1A-FBF3-46FC-937F-862D51551FC8}" srcOrd="0" destOrd="0" presId="urn:microsoft.com/office/officeart/2005/8/layout/list1"/>
+    <dgm:cxn modelId="{BEF1586C-7D11-4263-BB28-2240BBE28F0D}" type="presParOf" srcId="{E100F296-7888-4381-8FCE-007DCB8C6489}" destId="{ABF75D69-907E-44CD-8889-E8B29F28B015}" srcOrd="1" destOrd="0" presId="urn:microsoft.com/office/officeart/2005/8/layout/list1"/>
+    <dgm:cxn modelId="{E90D2CD2-A219-4B30-8B78-465E21B0050E}" type="presParOf" srcId="{A04781C4-0233-4A1F-AAE2-8757A79B61B0}" destId="{DCE8E5A6-CAA6-4EC0-B94D-03F4244F7250}" srcOrd="5" destOrd="0" presId="urn:microsoft.com/office/officeart/2005/8/layout/list1"/>
+    <dgm:cxn modelId="{895AA661-006F-4E7D-92FC-EB9D6449B913}" type="presParOf" srcId="{A04781C4-0233-4A1F-AAE2-8757A79B61B0}" destId="{DA6239C2-3885-4A65-B6D3-C3007DBD38DD}" srcOrd="6" destOrd="0" presId="urn:microsoft.com/office/officeart/2005/8/layout/list1"/>
   </dgm:cxnLst>
   <dgm:bg/>
   <dgm:whole/>
@@ -4470,6 +5708,492 @@
 </dsp:drawing>
 </file>
 
+<file path=ppt/diagrams/drawing4.xml><?xml version="1.0" encoding="utf-8"?>
+<dsp:drawing xmlns:dgm="http://schemas.openxmlformats.org/drawingml/2006/diagram" xmlns:a="http://schemas.openxmlformats.org/drawingml/2006/main" xmlns:dsp="http://schemas.microsoft.com/office/drawing/2008/diagram">
+  <dsp:spTree>
+    <dsp:nvGrpSpPr>
+      <dsp:cNvPr id="0" name=""/>
+      <dsp:cNvGrpSpPr/>
+    </dsp:nvGrpSpPr>
+    <dsp:grpSpPr/>
+    <dsp:sp modelId="{F33055AE-4172-4B7F-BE45-2FD32D5023A2}">
+      <dsp:nvSpPr>
+        <dsp:cNvPr id="0" name=""/>
+        <dsp:cNvSpPr/>
+      </dsp:nvSpPr>
+      <dsp:spPr>
+        <a:xfrm>
+          <a:off x="0" y="656931"/>
+          <a:ext cx="8229600" cy="1896300"/>
+        </a:xfrm>
+        <a:prstGeom prst="rect">
+          <a:avLst/>
+        </a:prstGeom>
+        <a:solidFill>
+          <a:schemeClr val="lt1">
+            <a:alpha val="90000"/>
+            <a:hueOff val="0"/>
+            <a:satOff val="0"/>
+            <a:lumOff val="0"/>
+            <a:alphaOff val="0"/>
+          </a:schemeClr>
+        </a:solidFill>
+        <a:ln w="25400" cap="flat" cmpd="sng" algn="ctr">
+          <a:solidFill>
+            <a:schemeClr val="accent1">
+              <a:hueOff val="0"/>
+              <a:satOff val="0"/>
+              <a:lumOff val="0"/>
+              <a:alphaOff val="0"/>
+            </a:schemeClr>
+          </a:solidFill>
+          <a:prstDash val="solid"/>
+        </a:ln>
+        <a:effectLst/>
+      </dsp:spPr>
+      <dsp:style>
+        <a:lnRef idx="2">
+          <a:scrgbClr r="0" g="0" b="0"/>
+        </a:lnRef>
+        <a:fillRef idx="1">
+          <a:scrgbClr r="0" g="0" b="0"/>
+        </a:fillRef>
+        <a:effectRef idx="0">
+          <a:scrgbClr r="0" g="0" b="0"/>
+        </a:effectRef>
+        <a:fontRef idx="minor"/>
+      </dsp:style>
+      <dsp:txBody>
+        <a:bodyPr spcFirstLastPara="0" vert="horz" wrap="square" lIns="638708" tIns="895604" rIns="638708" bIns="142240" numCol="1" spcCol="1270" anchor="t" anchorCtr="0">
+          <a:noAutofit/>
+        </a:bodyPr>
+        <a:lstStyle/>
+        <a:p>
+          <a:pPr marL="228600" lvl="1" indent="-228600" algn="l" defTabSz="889000">
+            <a:lnSpc>
+              <a:spcPct val="90000"/>
+            </a:lnSpc>
+            <a:spcBef>
+              <a:spcPct val="0"/>
+            </a:spcBef>
+            <a:spcAft>
+              <a:spcPct val="15000"/>
+            </a:spcAft>
+            <a:buChar char="••"/>
+          </a:pPr>
+          <a:r>
+            <a:rPr lang="en-US" sz="2000" kern="1200" dirty="0" smtClean="0">
+              <a:solidFill>
+                <a:srgbClr val="000099"/>
+              </a:solidFill>
+            </a:rPr>
+            <a:t>Create table </a:t>
+          </a:r>
+          <a:r>
+            <a:rPr lang="en-US" sz="2000" kern="1200" dirty="0" err="1" smtClean="0">
+              <a:solidFill>
+                <a:srgbClr val="000099"/>
+              </a:solidFill>
+            </a:rPr>
+            <a:t>student_emp</a:t>
+          </a:r>
+          <a:r>
+            <a:rPr lang="en-US" sz="2000" kern="1200" dirty="0" smtClean="0">
+              <a:solidFill>
+                <a:srgbClr val="000099"/>
+              </a:solidFill>
+            </a:rPr>
+            <a:t> under </a:t>
+          </a:r>
+          <a:r>
+            <a:rPr lang="en-US" sz="2000" kern="1200" dirty="0" err="1" smtClean="0">
+              <a:solidFill>
+                <a:srgbClr val="000099"/>
+              </a:solidFill>
+            </a:rPr>
+            <a:t>emp</a:t>
+          </a:r>
+          <a:r>
+            <a:rPr lang="en-US" sz="2000" kern="1200" dirty="0" smtClean="0">
+              <a:solidFill>
+                <a:srgbClr val="000099"/>
+              </a:solidFill>
+            </a:rPr>
+            <a:t> (</a:t>
+          </a:r>
+          <a:r>
+            <a:rPr lang="en-US" sz="2000" kern="1200" dirty="0" err="1" smtClean="0">
+              <a:solidFill>
+                <a:srgbClr val="000099"/>
+              </a:solidFill>
+            </a:rPr>
+            <a:t>gpa</a:t>
+          </a:r>
+          <a:r>
+            <a:rPr lang="en-US" sz="2000" kern="1200" dirty="0" smtClean="0">
+              <a:solidFill>
+                <a:srgbClr val="000099"/>
+              </a:solidFill>
+            </a:rPr>
+            <a:t> float)</a:t>
+          </a:r>
+          <a:endParaRPr lang="en-US" sz="2000" kern="1200" dirty="0">
+            <a:solidFill>
+              <a:srgbClr val="000099"/>
+            </a:solidFill>
+          </a:endParaRPr>
+        </a:p>
+        <a:p>
+          <a:pPr marL="228600" lvl="1" indent="-228600" algn="l" defTabSz="889000">
+            <a:lnSpc>
+              <a:spcPct val="90000"/>
+            </a:lnSpc>
+            <a:spcBef>
+              <a:spcPct val="0"/>
+            </a:spcBef>
+            <a:spcAft>
+              <a:spcPct val="15000"/>
+            </a:spcAft>
+            <a:buChar char="••"/>
+          </a:pPr>
+          <a:r>
+            <a:rPr lang="en-US" sz="2000" kern="1200" dirty="0" smtClean="0">
+              <a:solidFill>
+                <a:srgbClr val="000099"/>
+              </a:solidFill>
+            </a:rPr>
+            <a:t>Queries on </a:t>
+          </a:r>
+          <a:r>
+            <a:rPr lang="en-US" sz="2000" kern="1200" dirty="0" err="1" smtClean="0">
+              <a:solidFill>
+                <a:srgbClr val="000099"/>
+              </a:solidFill>
+            </a:rPr>
+            <a:t>emp</a:t>
+          </a:r>
+          <a:r>
+            <a:rPr lang="en-US" sz="2000" kern="1200" dirty="0" smtClean="0">
+              <a:solidFill>
+                <a:srgbClr val="000099"/>
+              </a:solidFill>
+            </a:rPr>
+            <a:t> also return </a:t>
+          </a:r>
+          <a:r>
+            <a:rPr lang="en-US" sz="2000" kern="1200" dirty="0" err="1" smtClean="0">
+              <a:solidFill>
+                <a:srgbClr val="000099"/>
+              </a:solidFill>
+            </a:rPr>
+            <a:t>tuples</a:t>
+          </a:r>
+          <a:r>
+            <a:rPr lang="en-US" sz="2000" kern="1200" dirty="0" smtClean="0">
+              <a:solidFill>
+                <a:srgbClr val="000099"/>
+              </a:solidFill>
+            </a:rPr>
+            <a:t> from </a:t>
+          </a:r>
+          <a:r>
+            <a:rPr lang="en-US" sz="2000" kern="1200" dirty="0" err="1" smtClean="0">
+              <a:solidFill>
+                <a:srgbClr val="000099"/>
+              </a:solidFill>
+            </a:rPr>
+            <a:t>student_emp</a:t>
+          </a:r>
+          <a:r>
+            <a:rPr lang="en-US" sz="2000" kern="1200" dirty="0" smtClean="0">
+              <a:solidFill>
+                <a:srgbClr val="000099"/>
+              </a:solidFill>
+            </a:rPr>
+            <a:t> (unless you say “</a:t>
+          </a:r>
+          <a:r>
+            <a:rPr lang="en-US" sz="2000" kern="1200" dirty="0" err="1" smtClean="0">
+              <a:solidFill>
+                <a:srgbClr val="000099"/>
+              </a:solidFill>
+            </a:rPr>
+            <a:t>emp</a:t>
+          </a:r>
+          <a:r>
+            <a:rPr lang="en-US" sz="2000" kern="1200" dirty="0" smtClean="0">
+              <a:solidFill>
+                <a:srgbClr val="000099"/>
+              </a:solidFill>
+            </a:rPr>
+            <a:t> only”</a:t>
+          </a:r>
+          <a:endParaRPr lang="en-US" sz="2000" kern="1200" dirty="0">
+            <a:solidFill>
+              <a:srgbClr val="000099"/>
+            </a:solidFill>
+          </a:endParaRPr>
+        </a:p>
+      </dsp:txBody>
+      <dsp:txXfrm>
+        <a:off x="0" y="656931"/>
+        <a:ext cx="8229600" cy="1896300"/>
+      </dsp:txXfrm>
+    </dsp:sp>
+    <dsp:sp modelId="{44B80E79-40B8-496D-82AC-357105294A12}">
+      <dsp:nvSpPr>
+        <dsp:cNvPr id="0" name=""/>
+        <dsp:cNvSpPr/>
+      </dsp:nvSpPr>
+      <dsp:spPr>
+        <a:xfrm>
+          <a:off x="391790" y="22251"/>
+          <a:ext cx="7835792" cy="1269360"/>
+        </a:xfrm>
+        <a:prstGeom prst="roundRect">
+          <a:avLst/>
+        </a:prstGeom>
+        <a:solidFill>
+          <a:schemeClr val="accent1">
+            <a:hueOff val="0"/>
+            <a:satOff val="0"/>
+            <a:lumOff val="0"/>
+            <a:alphaOff val="0"/>
+          </a:schemeClr>
+        </a:solidFill>
+        <a:ln w="25400" cap="flat" cmpd="sng" algn="ctr">
+          <a:solidFill>
+            <a:schemeClr val="lt1">
+              <a:hueOff val="0"/>
+              <a:satOff val="0"/>
+              <a:lumOff val="0"/>
+              <a:alphaOff val="0"/>
+            </a:schemeClr>
+          </a:solidFill>
+          <a:prstDash val="solid"/>
+        </a:ln>
+        <a:effectLst/>
+      </dsp:spPr>
+      <dsp:style>
+        <a:lnRef idx="2">
+          <a:scrgbClr r="0" g="0" b="0"/>
+        </a:lnRef>
+        <a:fillRef idx="1">
+          <a:scrgbClr r="0" g="0" b="0"/>
+        </a:fillRef>
+        <a:effectRef idx="0">
+          <a:scrgbClr r="0" g="0" b="0"/>
+        </a:effectRef>
+        <a:fontRef idx="minor">
+          <a:schemeClr val="lt1"/>
+        </a:fontRef>
+      </dsp:style>
+      <dsp:txBody>
+        <a:bodyPr spcFirstLastPara="0" vert="horz" wrap="square" lIns="217742" tIns="0" rIns="217742" bIns="0" numCol="1" spcCol="1270" anchor="ctr" anchorCtr="0">
+          <a:noAutofit/>
+        </a:bodyPr>
+        <a:lstStyle/>
+        <a:p>
+          <a:pPr lvl="0" algn="l" defTabSz="1066800">
+            <a:lnSpc>
+              <a:spcPct val="90000"/>
+            </a:lnSpc>
+            <a:spcBef>
+              <a:spcPct val="0"/>
+            </a:spcBef>
+            <a:spcAft>
+              <a:spcPct val="35000"/>
+            </a:spcAft>
+          </a:pPr>
+          <a:r>
+            <a:rPr lang="en-US" sz="2400" kern="1200" dirty="0" smtClean="0">
+              <a:solidFill>
+                <a:srgbClr val="FF0000"/>
+              </a:solidFill>
+            </a:rPr>
+            <a:t>Collection hierarchies</a:t>
+          </a:r>
+          <a:r>
+            <a:rPr lang="en-US" sz="2400" kern="1200" dirty="0" smtClean="0">
+              <a:solidFill>
+                <a:srgbClr val="000099"/>
+              </a:solidFill>
+            </a:rPr>
+            <a:t>: inheritance on tables</a:t>
+          </a:r>
+          <a:endParaRPr lang="en-US" sz="2400" kern="1200" dirty="0">
+            <a:solidFill>
+              <a:srgbClr val="000099"/>
+            </a:solidFill>
+          </a:endParaRPr>
+        </a:p>
+      </dsp:txBody>
+      <dsp:txXfrm>
+        <a:off x="391790" y="22251"/>
+        <a:ext cx="7835792" cy="1269360"/>
+      </dsp:txXfrm>
+    </dsp:sp>
+    <dsp:sp modelId="{DA6239C2-3885-4A65-B6D3-C3007DBD38DD}">
+      <dsp:nvSpPr>
+        <dsp:cNvPr id="0" name=""/>
+        <dsp:cNvSpPr/>
+      </dsp:nvSpPr>
+      <dsp:spPr>
+        <a:xfrm>
+          <a:off x="0" y="3420111"/>
+          <a:ext cx="8229600" cy="1083600"/>
+        </a:xfrm>
+        <a:prstGeom prst="rect">
+          <a:avLst/>
+        </a:prstGeom>
+        <a:solidFill>
+          <a:schemeClr val="lt1">
+            <a:alpha val="90000"/>
+            <a:hueOff val="0"/>
+            <a:satOff val="0"/>
+            <a:lumOff val="0"/>
+            <a:alphaOff val="0"/>
+          </a:schemeClr>
+        </a:solidFill>
+        <a:ln w="25400" cap="flat" cmpd="sng" algn="ctr">
+          <a:solidFill>
+            <a:schemeClr val="accent1">
+              <a:hueOff val="0"/>
+              <a:satOff val="0"/>
+              <a:lumOff val="0"/>
+              <a:alphaOff val="0"/>
+            </a:schemeClr>
+          </a:solidFill>
+          <a:prstDash val="solid"/>
+        </a:ln>
+        <a:effectLst/>
+      </dsp:spPr>
+      <dsp:style>
+        <a:lnRef idx="2">
+          <a:scrgbClr r="0" g="0" b="0"/>
+        </a:lnRef>
+        <a:fillRef idx="1">
+          <a:scrgbClr r="0" g="0" b="0"/>
+        </a:fillRef>
+        <a:effectRef idx="0">
+          <a:scrgbClr r="0" g="0" b="0"/>
+        </a:effectRef>
+        <a:fontRef idx="minor"/>
+      </dsp:style>
+    </dsp:sp>
+    <dsp:sp modelId="{ABF75D69-907E-44CD-8889-E8B29F28B015}">
+      <dsp:nvSpPr>
+        <dsp:cNvPr id="0" name=""/>
+        <dsp:cNvSpPr/>
+      </dsp:nvSpPr>
+      <dsp:spPr>
+        <a:xfrm>
+          <a:off x="391790" y="2785431"/>
+          <a:ext cx="7835792" cy="1269360"/>
+        </a:xfrm>
+        <a:prstGeom prst="roundRect">
+          <a:avLst/>
+        </a:prstGeom>
+        <a:solidFill>
+          <a:schemeClr val="accent1">
+            <a:hueOff val="0"/>
+            <a:satOff val="0"/>
+            <a:lumOff val="0"/>
+            <a:alphaOff val="0"/>
+          </a:schemeClr>
+        </a:solidFill>
+        <a:ln w="25400" cap="flat" cmpd="sng" algn="ctr">
+          <a:solidFill>
+            <a:schemeClr val="lt1">
+              <a:hueOff val="0"/>
+              <a:satOff val="0"/>
+              <a:lumOff val="0"/>
+              <a:alphaOff val="0"/>
+            </a:schemeClr>
+          </a:solidFill>
+          <a:prstDash val="solid"/>
+        </a:ln>
+        <a:effectLst/>
+      </dsp:spPr>
+      <dsp:style>
+        <a:lnRef idx="2">
+          <a:scrgbClr r="0" g="0" b="0"/>
+        </a:lnRef>
+        <a:fillRef idx="1">
+          <a:scrgbClr r="0" g="0" b="0"/>
+        </a:fillRef>
+        <a:effectRef idx="0">
+          <a:scrgbClr r="0" g="0" b="0"/>
+        </a:effectRef>
+        <a:fontRef idx="minor">
+          <a:schemeClr val="lt1"/>
+        </a:fontRef>
+      </dsp:style>
+      <dsp:txBody>
+        <a:bodyPr spcFirstLastPara="0" vert="horz" wrap="square" lIns="217742" tIns="0" rIns="217742" bIns="0" numCol="1" spcCol="1270" anchor="ctr" anchorCtr="0">
+          <a:noAutofit/>
+        </a:bodyPr>
+        <a:lstStyle/>
+        <a:p>
+          <a:pPr lvl="0" algn="l" defTabSz="1066800">
+            <a:lnSpc>
+              <a:spcPct val="90000"/>
+            </a:lnSpc>
+            <a:spcBef>
+              <a:spcPct val="0"/>
+            </a:spcBef>
+            <a:spcAft>
+              <a:spcPct val="35000"/>
+            </a:spcAft>
+          </a:pPr>
+          <a:r>
+            <a:rPr lang="en-US" sz="2400" kern="1200" dirty="0" smtClean="0">
+              <a:solidFill>
+                <a:srgbClr val="FF0000"/>
+              </a:solidFill>
+            </a:rPr>
+            <a:t>Type extents</a:t>
+          </a:r>
+          <a:r>
+            <a:rPr lang="en-US" sz="2400" kern="1200" dirty="0" smtClean="0">
+              <a:solidFill>
+                <a:srgbClr val="000099"/>
+              </a:solidFill>
+            </a:rPr>
+            <a:t>: al objects of a given type can be selected from a single view (e.g., select * from </a:t>
+          </a:r>
+          <a:r>
+            <a:rPr lang="en-US" sz="2400" kern="1200" dirty="0" err="1" smtClean="0">
+              <a:solidFill>
+                <a:srgbClr val="000099"/>
+              </a:solidFill>
+            </a:rPr>
+            <a:t>theater_t</a:t>
+          </a:r>
+          <a:r>
+            <a:rPr lang="en-US" sz="2400" kern="1200" dirty="0" smtClean="0">
+              <a:solidFill>
+                <a:srgbClr val="000099"/>
+              </a:solidFill>
+            </a:rPr>
+            <a:t>)</a:t>
+          </a:r>
+          <a:endParaRPr lang="en-US" sz="2400" kern="1200" dirty="0">
+            <a:solidFill>
+              <a:srgbClr val="000099"/>
+            </a:solidFill>
+          </a:endParaRPr>
+        </a:p>
+      </dsp:txBody>
+      <dsp:txXfrm>
+        <a:off x="391790" y="2785431"/>
+        <a:ext cx="7835792" cy="1269360"/>
+      </dsp:txXfrm>
+    </dsp:sp>
+  </dsp:spTree>
+</dsp:drawing>
+</file>
+
 <file path=ppt/diagrams/layout1.xml><?xml version="1.0" encoding="utf-8"?>
 <dgm:layoutDef xmlns:dgm="http://schemas.openxmlformats.org/drawingml/2006/diagram" xmlns:a="http://schemas.openxmlformats.org/drawingml/2006/main" uniqueId="urn:microsoft.com/office/officeart/2005/8/layout/list1">
   <dgm:title val=""/>
@@ -5087,6 +6811,231 @@
 </dgm:layoutDef>
 </file>
 
+<file path=ppt/diagrams/layout4.xml><?xml version="1.0" encoding="utf-8"?>
+<dgm:layoutDef xmlns:dgm="http://schemas.openxmlformats.org/drawingml/2006/diagram" xmlns:a="http://schemas.openxmlformats.org/drawingml/2006/main" uniqueId="urn:microsoft.com/office/officeart/2005/8/layout/list1">
+  <dgm:title val=""/>
+  <dgm:desc val=""/>
+  <dgm:catLst>
+    <dgm:cat type="list" pri="4000"/>
+  </dgm:catLst>
+  <dgm:sampData>
+    <dgm:dataModel>
+      <dgm:ptLst>
+        <dgm:pt modelId="0" type="doc"/>
+        <dgm:pt modelId="1">
+          <dgm:prSet phldr="1"/>
+        </dgm:pt>
+        <dgm:pt modelId="2">
+          <dgm:prSet phldr="1"/>
+        </dgm:pt>
+        <dgm:pt modelId="3">
+          <dgm:prSet phldr="1"/>
+        </dgm:pt>
+      </dgm:ptLst>
+      <dgm:cxnLst>
+        <dgm:cxn modelId="4" srcId="0" destId="1" srcOrd="0" destOrd="0"/>
+        <dgm:cxn modelId="5" srcId="0" destId="2" srcOrd="1" destOrd="0"/>
+        <dgm:cxn modelId="6" srcId="0" destId="3" srcOrd="2" destOrd="0"/>
+      </dgm:cxnLst>
+      <dgm:bg/>
+      <dgm:whole/>
+    </dgm:dataModel>
+  </dgm:sampData>
+  <dgm:styleData>
+    <dgm:dataModel>
+      <dgm:ptLst>
+        <dgm:pt modelId="0" type="doc"/>
+        <dgm:pt modelId="1"/>
+        <dgm:pt modelId="2"/>
+      </dgm:ptLst>
+      <dgm:cxnLst>
+        <dgm:cxn modelId="4" srcId="0" destId="1" srcOrd="0" destOrd="0"/>
+        <dgm:cxn modelId="5" srcId="0" destId="2" srcOrd="1" destOrd="0"/>
+      </dgm:cxnLst>
+      <dgm:bg/>
+      <dgm:whole/>
+    </dgm:dataModel>
+  </dgm:styleData>
+  <dgm:clrData>
+    <dgm:dataModel>
+      <dgm:ptLst>
+        <dgm:pt modelId="0" type="doc"/>
+        <dgm:pt modelId="1"/>
+        <dgm:pt modelId="2"/>
+        <dgm:pt modelId="3"/>
+        <dgm:pt modelId="4"/>
+      </dgm:ptLst>
+      <dgm:cxnLst>
+        <dgm:cxn modelId="5" srcId="0" destId="1" srcOrd="0" destOrd="0"/>
+        <dgm:cxn modelId="6" srcId="0" destId="2" srcOrd="1" destOrd="0"/>
+        <dgm:cxn modelId="7" srcId="0" destId="3" srcOrd="2" destOrd="0"/>
+        <dgm:cxn modelId="8" srcId="0" destId="4" srcOrd="3" destOrd="0"/>
+      </dgm:cxnLst>
+      <dgm:bg/>
+      <dgm:whole/>
+    </dgm:dataModel>
+  </dgm:clrData>
+  <dgm:layoutNode name="linear">
+    <dgm:varLst>
+      <dgm:dir/>
+      <dgm:animLvl val="lvl"/>
+      <dgm:resizeHandles val="exact"/>
+    </dgm:varLst>
+    <dgm:choose name="Name0">
+      <dgm:if name="Name1" func="var" arg="dir" op="equ" val="norm">
+        <dgm:alg type="lin">
+          <dgm:param type="linDir" val="fromT"/>
+          <dgm:param type="vertAlign" val="mid"/>
+          <dgm:param type="horzAlign" val="l"/>
+          <dgm:param type="nodeHorzAlign" val="l"/>
+        </dgm:alg>
+      </dgm:if>
+      <dgm:else name="Name2">
+        <dgm:alg type="lin">
+          <dgm:param type="linDir" val="fromT"/>
+          <dgm:param type="vertAlign" val="mid"/>
+          <dgm:param type="horzAlign" val="r"/>
+          <dgm:param type="nodeHorzAlign" val="r"/>
+        </dgm:alg>
+      </dgm:else>
+    </dgm:choose>
+    <dgm:shape xmlns:r="http://schemas.openxmlformats.org/officeDocument/2006/relationships" r:blip="">
+      <dgm:adjLst/>
+    </dgm:shape>
+    <dgm:presOf/>
+    <dgm:constrLst>
+      <dgm:constr type="w" for="ch" forName="parentLin" refType="w"/>
+      <dgm:constr type="h" for="ch" forName="parentLin" val="INF"/>
+      <dgm:constr type="w" for="des" forName="parentLeftMargin" refType="w" fact="0.05"/>
+      <dgm:constr type="w" for="des" forName="parentText" refType="w" fact="0.7"/>
+      <dgm:constr type="h" for="des" forName="parentText" refType="primFontSz" refFor="des" refForName="parentText" fact="0.82"/>
+      <dgm:constr type="h" for="ch" forName="negativeSpace" refType="primFontSz" refFor="des" refForName="parentText" fact="-0.41"/>
+      <dgm:constr type="h" for="ch" forName="negativeSpace" refType="h" refFor="des" refForName="parentText" op="lte" fact="-0.82"/>
+      <dgm:constr type="h" for="ch" forName="negativeSpace" refType="h" refFor="des" refForName="parentText" op="gte" fact="-0.82"/>
+      <dgm:constr type="w" for="ch" forName="childText" refType="w"/>
+      <dgm:constr type="h" for="ch" forName="childText" refType="primFontSz" refFor="des" refForName="parentText" fact="0.7"/>
+      <dgm:constr type="primFontSz" for="des" forName="parentText" val="65"/>
+      <dgm:constr type="primFontSz" for="ch" forName="childText" refType="primFontSz" refFor="des" refForName="parentText"/>
+      <dgm:constr type="tMarg" for="ch" forName="childText" refType="primFontSz" refFor="des" refForName="parentText" fact="1.64"/>
+      <dgm:constr type="tMarg" for="ch" forName="childText" refType="h" refFor="des" refForName="parentText" op="lte" fact="3.28"/>
+      <dgm:constr type="tMarg" for="ch" forName="childText" refType="h" refFor="des" refForName="parentText" op="gte" fact="3.28"/>
+      <dgm:constr type="lMarg" for="ch" forName="childText" refType="w" fact="0.22"/>
+      <dgm:constr type="rMarg" for="ch" forName="childText" refType="lMarg" refFor="ch" refForName="childText"/>
+      <dgm:constr type="lMarg" for="des" forName="parentText" refType="w" fact="0.075"/>
+      <dgm:constr type="rMarg" for="des" forName="parentText" refType="lMarg" refFor="des" refForName="parentText"/>
+      <dgm:constr type="h" for="ch" forName="spaceBetweenRectangles" refType="primFontSz" refFor="des" refForName="parentText" fact="0.15"/>
+    </dgm:constrLst>
+    <dgm:ruleLst>
+      <dgm:rule type="primFontSz" for="des" forName="parentText" val="5" fact="NaN" max="NaN"/>
+    </dgm:ruleLst>
+    <dgm:forEach name="Name3" axis="ch" ptType="node">
+      <dgm:layoutNode name="parentLin">
+        <dgm:choose name="Name4">
+          <dgm:if name="Name5" func="var" arg="dir" op="equ" val="norm">
+            <dgm:alg type="lin">
+              <dgm:param type="linDir" val="fromL"/>
+              <dgm:param type="horzAlign" val="l"/>
+              <dgm:param type="nodeHorzAlign" val="l"/>
+            </dgm:alg>
+          </dgm:if>
+          <dgm:else name="Name6">
+            <dgm:alg type="lin">
+              <dgm:param type="linDir" val="fromR"/>
+              <dgm:param type="horzAlign" val="r"/>
+              <dgm:param type="nodeHorzAlign" val="r"/>
+            </dgm:alg>
+          </dgm:else>
+        </dgm:choose>
+        <dgm:shape xmlns:r="http://schemas.openxmlformats.org/officeDocument/2006/relationships" r:blip="">
+          <dgm:adjLst/>
+        </dgm:shape>
+        <dgm:presOf/>
+        <dgm:constrLst/>
+        <dgm:ruleLst/>
+        <dgm:layoutNode name="parentLeftMargin">
+          <dgm:alg type="sp"/>
+          <dgm:shape xmlns:r="http://schemas.openxmlformats.org/officeDocument/2006/relationships" type="rect" r:blip="" hideGeom="1">
+            <dgm:adjLst/>
+          </dgm:shape>
+          <dgm:presOf axis="self"/>
+          <dgm:constrLst>
+            <dgm:constr type="h"/>
+          </dgm:constrLst>
+          <dgm:ruleLst/>
+        </dgm:layoutNode>
+        <dgm:layoutNode name="parentText" styleLbl="node1">
+          <dgm:varLst>
+            <dgm:chMax val="0"/>
+            <dgm:bulletEnabled val="1"/>
+          </dgm:varLst>
+          <dgm:choose name="Name7">
+            <dgm:if name="Name8" func="var" arg="dir" op="equ" val="norm">
+              <dgm:alg type="tx">
+                <dgm:param type="parTxLTRAlign" val="l"/>
+                <dgm:param type="parTxRTLAlign" val="l"/>
+              </dgm:alg>
+            </dgm:if>
+            <dgm:else name="Name9">
+              <dgm:alg type="tx">
+                <dgm:param type="parTxLTRAlign" val="r"/>
+                <dgm:param type="parTxRTLAlign" val="r"/>
+              </dgm:alg>
+            </dgm:else>
+          </dgm:choose>
+          <dgm:shape xmlns:r="http://schemas.openxmlformats.org/officeDocument/2006/relationships" type="roundRect" r:blip="">
+            <dgm:adjLst/>
+          </dgm:shape>
+          <dgm:presOf axis="self" ptType="node"/>
+          <dgm:constrLst>
+            <dgm:constr type="tMarg"/>
+            <dgm:constr type="bMarg"/>
+          </dgm:constrLst>
+          <dgm:ruleLst/>
+        </dgm:layoutNode>
+      </dgm:layoutNode>
+      <dgm:layoutNode name="negativeSpace">
+        <dgm:alg type="sp"/>
+        <dgm:shape xmlns:r="http://schemas.openxmlformats.org/officeDocument/2006/relationships" r:blip="">
+          <dgm:adjLst/>
+        </dgm:shape>
+        <dgm:presOf/>
+        <dgm:constrLst/>
+        <dgm:ruleLst/>
+      </dgm:layoutNode>
+      <dgm:layoutNode name="childText" styleLbl="conFgAcc1">
+        <dgm:varLst>
+          <dgm:bulletEnabled val="1"/>
+        </dgm:varLst>
+        <dgm:alg type="tx">
+          <dgm:param type="stBulletLvl" val="1"/>
+        </dgm:alg>
+        <dgm:shape xmlns:r="http://schemas.openxmlformats.org/officeDocument/2006/relationships" type="rect" r:blip="" zOrderOff="-2">
+          <dgm:adjLst/>
+        </dgm:shape>
+        <dgm:presOf axis="des" ptType="node"/>
+        <dgm:constrLst>
+          <dgm:constr type="secFontSz" refType="primFontSz"/>
+        </dgm:constrLst>
+        <dgm:ruleLst>
+          <dgm:rule type="h" val="INF" fact="NaN" max="NaN"/>
+        </dgm:ruleLst>
+      </dgm:layoutNode>
+      <dgm:forEach name="Name10" axis="followSib" ptType="sibTrans" cnt="1">
+        <dgm:layoutNode name="spaceBetweenRectangles">
+          <dgm:alg type="sp"/>
+          <dgm:shape xmlns:r="http://schemas.openxmlformats.org/officeDocument/2006/relationships" r:blip="">
+            <dgm:adjLst/>
+          </dgm:shape>
+          <dgm:presOf/>
+          <dgm:constrLst/>
+          <dgm:ruleLst/>
+        </dgm:layoutNode>
+      </dgm:forEach>
+    </dgm:forEach>
+  </dgm:layoutNode>
+</dgm:layoutDef>
+</file>
+
 <file path=ppt/diagrams/quickStyle1.xml><?xml version="1.0" encoding="utf-8"?>
 <dgm:styleDef xmlns:dgm="http://schemas.openxmlformats.org/drawingml/2006/diagram" xmlns:a="http://schemas.openxmlformats.org/drawingml/2006/main" uniqueId="urn:microsoft.com/office/officeart/2005/8/quickstyle/simple1">
   <dgm:title val=""/>
@@ -7156,6 +9105,1040 @@
 </file>
 
 <file path=ppt/diagrams/quickStyle3.xml><?xml version="1.0" encoding="utf-8"?>
+<dgm:styleDef xmlns:dgm="http://schemas.openxmlformats.org/drawingml/2006/diagram" xmlns:a="http://schemas.openxmlformats.org/drawingml/2006/main" uniqueId="urn:microsoft.com/office/officeart/2005/8/quickstyle/simple1">
+  <dgm:title val=""/>
+  <dgm:desc val=""/>
+  <dgm:catLst>
+    <dgm:cat type="simple" pri="10100"/>
+  </dgm:catLst>
+  <dgm:scene3d>
+    <a:camera prst="orthographicFront"/>
+    <a:lightRig rig="threePt" dir="t"/>
+  </dgm:scene3d>
+  <dgm:styleLbl name="node0">
+    <dgm:scene3d>
+      <a:camera prst="orthographicFront"/>
+      <a:lightRig rig="threePt" dir="t"/>
+    </dgm:scene3d>
+    <dgm:sp3d/>
+    <dgm:txPr/>
+    <dgm:style>
+      <a:lnRef idx="2">
+        <a:scrgbClr r="0" g="0" b="0"/>
+      </a:lnRef>
+      <a:fillRef idx="1">
+        <a:scrgbClr r="0" g="0" b="0"/>
+      </a:fillRef>
+      <a:effectRef idx="0">
+        <a:scrgbClr r="0" g="0" b="0"/>
+      </a:effectRef>
+      <a:fontRef idx="minor">
+        <a:schemeClr val="lt1"/>
+      </a:fontRef>
+    </dgm:style>
+  </dgm:styleLbl>
+  <dgm:styleLbl name="lnNode1">
+    <dgm:scene3d>
+      <a:camera prst="orthographicFront"/>
+      <a:lightRig rig="threePt" dir="t"/>
+    </dgm:scene3d>
+    <dgm:sp3d/>
+    <dgm:txPr/>
+    <dgm:style>
+      <a:lnRef idx="2">
+        <a:scrgbClr r="0" g="0" b="0"/>
+      </a:lnRef>
+      <a:fillRef idx="1">
+        <a:scrgbClr r="0" g="0" b="0"/>
+      </a:fillRef>
+      <a:effectRef idx="0">
+        <a:scrgbClr r="0" g="0" b="0"/>
+      </a:effectRef>
+      <a:fontRef idx="minor">
+        <a:schemeClr val="lt1"/>
+      </a:fontRef>
+    </dgm:style>
+  </dgm:styleLbl>
+  <dgm:styleLbl name="vennNode1">
+    <dgm:scene3d>
+      <a:camera prst="orthographicFront"/>
+      <a:lightRig rig="threePt" dir="t"/>
+    </dgm:scene3d>
+    <dgm:sp3d/>
+    <dgm:txPr/>
+    <dgm:style>
+      <a:lnRef idx="2">
+        <a:scrgbClr r="0" g="0" b="0"/>
+      </a:lnRef>
+      <a:fillRef idx="1">
+        <a:scrgbClr r="0" g="0" b="0"/>
+      </a:fillRef>
+      <a:effectRef idx="0">
+        <a:scrgbClr r="0" g="0" b="0"/>
+      </a:effectRef>
+      <a:fontRef idx="minor">
+        <a:schemeClr val="tx1"/>
+      </a:fontRef>
+    </dgm:style>
+  </dgm:styleLbl>
+  <dgm:styleLbl name="alignNode1">
+    <dgm:scene3d>
+      <a:camera prst="orthographicFront"/>
+      <a:lightRig rig="threePt" dir="t"/>
+    </dgm:scene3d>
+    <dgm:sp3d/>
+    <dgm:txPr/>
+    <dgm:style>
+      <a:lnRef idx="2">
+        <a:scrgbClr r="0" g="0" b="0"/>
+      </a:lnRef>
+      <a:fillRef idx="1">
+        <a:scrgbClr r="0" g="0" b="0"/>
+      </a:fillRef>
+      <a:effectRef idx="0">
+        <a:scrgbClr r="0" g="0" b="0"/>
+      </a:effectRef>
+      <a:fontRef idx="minor">
+        <a:schemeClr val="lt1"/>
+      </a:fontRef>
+    </dgm:style>
+  </dgm:styleLbl>
+  <dgm:styleLbl name="node1">
+    <dgm:scene3d>
+      <a:camera prst="orthographicFront"/>
+      <a:lightRig rig="threePt" dir="t"/>
+    </dgm:scene3d>
+    <dgm:sp3d/>
+    <dgm:txPr/>
+    <dgm:style>
+      <a:lnRef idx="2">
+        <a:scrgbClr r="0" g="0" b="0"/>
+      </a:lnRef>
+      <a:fillRef idx="1">
+        <a:scrgbClr r="0" g="0" b="0"/>
+      </a:fillRef>
+      <a:effectRef idx="0">
+        <a:scrgbClr r="0" g="0" b="0"/>
+      </a:effectRef>
+      <a:fontRef idx="minor">
+        <a:schemeClr val="lt1"/>
+      </a:fontRef>
+    </dgm:style>
+  </dgm:styleLbl>
+  <dgm:styleLbl name="node2">
+    <dgm:scene3d>
+      <a:camera prst="orthographicFront"/>
+      <a:lightRig rig="threePt" dir="t"/>
+    </dgm:scene3d>
+    <dgm:sp3d/>
+    <dgm:txPr/>
+    <dgm:style>
+      <a:lnRef idx="2">
+        <a:scrgbClr r="0" g="0" b="0"/>
+      </a:lnRef>
+      <a:fillRef idx="1">
+        <a:scrgbClr r="0" g="0" b="0"/>
+      </a:fillRef>
+      <a:effectRef idx="0">
+        <a:scrgbClr r="0" g="0" b="0"/>
+      </a:effectRef>
+      <a:fontRef idx="minor">
+        <a:schemeClr val="lt1"/>
+      </a:fontRef>
+    </dgm:style>
+  </dgm:styleLbl>
+  <dgm:styleLbl name="node3">
+    <dgm:scene3d>
+      <a:camera prst="orthographicFront"/>
+      <a:lightRig rig="threePt" dir="t"/>
+    </dgm:scene3d>
+    <dgm:sp3d/>
+    <dgm:txPr/>
+    <dgm:style>
+      <a:lnRef idx="2">
+        <a:scrgbClr r="0" g="0" b="0"/>
+      </a:lnRef>
+      <a:fillRef idx="1">
+        <a:scrgbClr r="0" g="0" b="0"/>
+      </a:fillRef>
+      <a:effectRef idx="0">
+        <a:scrgbClr r="0" g="0" b="0"/>
+      </a:effectRef>
+      <a:fontRef idx="minor">
+        <a:schemeClr val="lt1"/>
+      </a:fontRef>
+    </dgm:style>
+  </dgm:styleLbl>
+  <dgm:styleLbl name="node4">
+    <dgm:scene3d>
+      <a:camera prst="orthographicFront"/>
+      <a:lightRig rig="threePt" dir="t"/>
+    </dgm:scene3d>
+    <dgm:sp3d/>
+    <dgm:txPr/>
+    <dgm:style>
+      <a:lnRef idx="2">
+        <a:scrgbClr r="0" g="0" b="0"/>
+      </a:lnRef>
+      <a:fillRef idx="1">
+        <a:scrgbClr r="0" g="0" b="0"/>
+      </a:fillRef>
+      <a:effectRef idx="0">
+        <a:scrgbClr r="0" g="0" b="0"/>
+      </a:effectRef>
+      <a:fontRef idx="minor">
+        <a:schemeClr val="lt1"/>
+      </a:fontRef>
+    </dgm:style>
+  </dgm:styleLbl>
+  <dgm:styleLbl name="fgImgPlace1">
+    <dgm:scene3d>
+      <a:camera prst="orthographicFront"/>
+      <a:lightRig rig="threePt" dir="t"/>
+    </dgm:scene3d>
+    <dgm:sp3d/>
+    <dgm:txPr/>
+    <dgm:style>
+      <a:lnRef idx="2">
+        <a:scrgbClr r="0" g="0" b="0"/>
+      </a:lnRef>
+      <a:fillRef idx="1">
+        <a:scrgbClr r="0" g="0" b="0"/>
+      </a:fillRef>
+      <a:effectRef idx="0">
+        <a:scrgbClr r="0" g="0" b="0"/>
+      </a:effectRef>
+      <a:fontRef idx="minor"/>
+    </dgm:style>
+  </dgm:styleLbl>
+  <dgm:styleLbl name="alignImgPlace1">
+    <dgm:scene3d>
+      <a:camera prst="orthographicFront"/>
+      <a:lightRig rig="threePt" dir="t"/>
+    </dgm:scene3d>
+    <dgm:sp3d/>
+    <dgm:txPr/>
+    <dgm:style>
+      <a:lnRef idx="2">
+        <a:scrgbClr r="0" g="0" b="0"/>
+      </a:lnRef>
+      <a:fillRef idx="1">
+        <a:scrgbClr r="0" g="0" b="0"/>
+      </a:fillRef>
+      <a:effectRef idx="0">
+        <a:scrgbClr r="0" g="0" b="0"/>
+      </a:effectRef>
+      <a:fontRef idx="minor"/>
+    </dgm:style>
+  </dgm:styleLbl>
+  <dgm:styleLbl name="bgImgPlace1">
+    <dgm:scene3d>
+      <a:camera prst="orthographicFront"/>
+      <a:lightRig rig="threePt" dir="t"/>
+    </dgm:scene3d>
+    <dgm:sp3d/>
+    <dgm:txPr/>
+    <dgm:style>
+      <a:lnRef idx="2">
+        <a:scrgbClr r="0" g="0" b="0"/>
+      </a:lnRef>
+      <a:fillRef idx="1">
+        <a:scrgbClr r="0" g="0" b="0"/>
+      </a:fillRef>
+      <a:effectRef idx="0">
+        <a:scrgbClr r="0" g="0" b="0"/>
+      </a:effectRef>
+      <a:fontRef idx="minor"/>
+    </dgm:style>
+  </dgm:styleLbl>
+  <dgm:styleLbl name="sibTrans2D1">
+    <dgm:scene3d>
+      <a:camera prst="orthographicFront"/>
+      <a:lightRig rig="threePt" dir="t"/>
+    </dgm:scene3d>
+    <dgm:sp3d/>
+    <dgm:txPr/>
+    <dgm:style>
+      <a:lnRef idx="0">
+        <a:scrgbClr r="0" g="0" b="0"/>
+      </a:lnRef>
+      <a:fillRef idx="1">
+        <a:scrgbClr r="0" g="0" b="0"/>
+      </a:fillRef>
+      <a:effectRef idx="0">
+        <a:scrgbClr r="0" g="0" b="0"/>
+      </a:effectRef>
+      <a:fontRef idx="minor">
+        <a:schemeClr val="lt1"/>
+      </a:fontRef>
+    </dgm:style>
+  </dgm:styleLbl>
+  <dgm:styleLbl name="fgSibTrans2D1">
+    <dgm:scene3d>
+      <a:camera prst="orthographicFront"/>
+      <a:lightRig rig="threePt" dir="t"/>
+    </dgm:scene3d>
+    <dgm:sp3d/>
+    <dgm:txPr/>
+    <dgm:style>
+      <a:lnRef idx="0">
+        <a:scrgbClr r="0" g="0" b="0"/>
+      </a:lnRef>
+      <a:fillRef idx="1">
+        <a:scrgbClr r="0" g="0" b="0"/>
+      </a:fillRef>
+      <a:effectRef idx="0">
+        <a:scrgbClr r="0" g="0" b="0"/>
+      </a:effectRef>
+      <a:fontRef idx="minor">
+        <a:schemeClr val="lt1"/>
+      </a:fontRef>
+    </dgm:style>
+  </dgm:styleLbl>
+  <dgm:styleLbl name="bgSibTrans2D1">
+    <dgm:scene3d>
+      <a:camera prst="orthographicFront"/>
+      <a:lightRig rig="threePt" dir="t"/>
+    </dgm:scene3d>
+    <dgm:sp3d/>
+    <dgm:txPr/>
+    <dgm:style>
+      <a:lnRef idx="0">
+        <a:scrgbClr r="0" g="0" b="0"/>
+      </a:lnRef>
+      <a:fillRef idx="1">
+        <a:scrgbClr r="0" g="0" b="0"/>
+      </a:fillRef>
+      <a:effectRef idx="0">
+        <a:scrgbClr r="0" g="0" b="0"/>
+      </a:effectRef>
+      <a:fontRef idx="minor">
+        <a:schemeClr val="lt1"/>
+      </a:fontRef>
+    </dgm:style>
+  </dgm:styleLbl>
+  <dgm:styleLbl name="sibTrans1D1">
+    <dgm:scene3d>
+      <a:camera prst="orthographicFront"/>
+      <a:lightRig rig="threePt" dir="t"/>
+    </dgm:scene3d>
+    <dgm:sp3d/>
+    <dgm:txPr/>
+    <dgm:style>
+      <a:lnRef idx="1">
+        <a:scrgbClr r="0" g="0" b="0"/>
+      </a:lnRef>
+      <a:fillRef idx="0">
+        <a:scrgbClr r="0" g="0" b="0"/>
+      </a:fillRef>
+      <a:effectRef idx="0">
+        <a:scrgbClr r="0" g="0" b="0"/>
+      </a:effectRef>
+      <a:fontRef idx="minor"/>
+    </dgm:style>
+  </dgm:styleLbl>
+  <dgm:styleLbl name="callout">
+    <dgm:scene3d>
+      <a:camera prst="orthographicFront"/>
+      <a:lightRig rig="threePt" dir="t"/>
+    </dgm:scene3d>
+    <dgm:sp3d/>
+    <dgm:txPr/>
+    <dgm:style>
+      <a:lnRef idx="2">
+        <a:scrgbClr r="0" g="0" b="0"/>
+      </a:lnRef>
+      <a:fillRef idx="1">
+        <a:scrgbClr r="0" g="0" b="0"/>
+      </a:fillRef>
+      <a:effectRef idx="0">
+        <a:scrgbClr r="0" g="0" b="0"/>
+      </a:effectRef>
+      <a:fontRef idx="minor"/>
+    </dgm:style>
+  </dgm:styleLbl>
+  <dgm:styleLbl name="asst0">
+    <dgm:scene3d>
+      <a:camera prst="orthographicFront"/>
+      <a:lightRig rig="threePt" dir="t"/>
+    </dgm:scene3d>
+    <dgm:sp3d/>
+    <dgm:txPr/>
+    <dgm:style>
+      <a:lnRef idx="2">
+        <a:scrgbClr r="0" g="0" b="0"/>
+      </a:lnRef>
+      <a:fillRef idx="1">
+        <a:scrgbClr r="0" g="0" b="0"/>
+      </a:fillRef>
+      <a:effectRef idx="0">
+        <a:scrgbClr r="0" g="0" b="0"/>
+      </a:effectRef>
+      <a:fontRef idx="minor">
+        <a:schemeClr val="lt1"/>
+      </a:fontRef>
+    </dgm:style>
+  </dgm:styleLbl>
+  <dgm:styleLbl name="asst1">
+    <dgm:scene3d>
+      <a:camera prst="orthographicFront"/>
+      <a:lightRig rig="threePt" dir="t"/>
+    </dgm:scene3d>
+    <dgm:sp3d/>
+    <dgm:txPr/>
+    <dgm:style>
+      <a:lnRef idx="2">
+        <a:scrgbClr r="0" g="0" b="0"/>
+      </a:lnRef>
+      <a:fillRef idx="1">
+        <a:scrgbClr r="0" g="0" b="0"/>
+      </a:fillRef>
+      <a:effectRef idx="0">
+        <a:scrgbClr r="0" g="0" b="0"/>
+      </a:effectRef>
+      <a:fontRef idx="minor">
+        <a:schemeClr val="lt1"/>
+      </a:fontRef>
+    </dgm:style>
+  </dgm:styleLbl>
+  <dgm:styleLbl name="asst2">
+    <dgm:scene3d>
+      <a:camera prst="orthographicFront"/>
+      <a:lightRig rig="threePt" dir="t"/>
+    </dgm:scene3d>
+    <dgm:sp3d/>
+    <dgm:txPr/>
+    <dgm:style>
+      <a:lnRef idx="2">
+        <a:scrgbClr r="0" g="0" b="0"/>
+      </a:lnRef>
+      <a:fillRef idx="1">
+        <a:scrgbClr r="0" g="0" b="0"/>
+      </a:fillRef>
+      <a:effectRef idx="0">
+        <a:scrgbClr r="0" g="0" b="0"/>
+      </a:effectRef>
+      <a:fontRef idx="minor">
+        <a:schemeClr val="lt1"/>
+      </a:fontRef>
+    </dgm:style>
+  </dgm:styleLbl>
+  <dgm:styleLbl name="asst3">
+    <dgm:scene3d>
+      <a:camera prst="orthographicFront"/>
+      <a:lightRig rig="threePt" dir="t"/>
+    </dgm:scene3d>
+    <dgm:sp3d/>
+    <dgm:txPr/>
+    <dgm:style>
+      <a:lnRef idx="2">
+        <a:scrgbClr r="0" g="0" b="0"/>
+      </a:lnRef>
+      <a:fillRef idx="1">
+        <a:scrgbClr r="0" g="0" b="0"/>
+      </a:fillRef>
+      <a:effectRef idx="0">
+        <a:scrgbClr r="0" g="0" b="0"/>
+      </a:effectRef>
+      <a:fontRef idx="minor">
+        <a:schemeClr val="lt1"/>
+      </a:fontRef>
+    </dgm:style>
+  </dgm:styleLbl>
+  <dgm:styleLbl name="asst4">
+    <dgm:scene3d>
+      <a:camera prst="orthographicFront"/>
+      <a:lightRig rig="threePt" dir="t"/>
+    </dgm:scene3d>
+    <dgm:sp3d/>
+    <dgm:txPr/>
+    <dgm:style>
+      <a:lnRef idx="2">
+        <a:scrgbClr r="0" g="0" b="0"/>
+      </a:lnRef>
+      <a:fillRef idx="1">
+        <a:scrgbClr r="0" g="0" b="0"/>
+      </a:fillRef>
+      <a:effectRef idx="0">
+        <a:scrgbClr r="0" g="0" b="0"/>
+      </a:effectRef>
+      <a:fontRef idx="minor">
+        <a:schemeClr val="lt1"/>
+      </a:fontRef>
+    </dgm:style>
+  </dgm:styleLbl>
+  <dgm:styleLbl name="parChTrans2D1">
+    <dgm:scene3d>
+      <a:camera prst="orthographicFront"/>
+      <a:lightRig rig="threePt" dir="t"/>
+    </dgm:scene3d>
+    <dgm:sp3d/>
+    <dgm:txPr/>
+    <dgm:style>
+      <a:lnRef idx="2">
+        <a:scrgbClr r="0" g="0" b="0"/>
+      </a:lnRef>
+      <a:fillRef idx="1">
+        <a:scrgbClr r="0" g="0" b="0"/>
+      </a:fillRef>
+      <a:effectRef idx="0">
+        <a:scrgbClr r="0" g="0" b="0"/>
+      </a:effectRef>
+      <a:fontRef idx="minor">
+        <a:schemeClr val="lt1"/>
+      </a:fontRef>
+    </dgm:style>
+  </dgm:styleLbl>
+  <dgm:styleLbl name="parChTrans2D2">
+    <dgm:scene3d>
+      <a:camera prst="orthographicFront"/>
+      <a:lightRig rig="threePt" dir="t"/>
+    </dgm:scene3d>
+    <dgm:sp3d/>
+    <dgm:txPr/>
+    <dgm:style>
+      <a:lnRef idx="2">
+        <a:scrgbClr r="0" g="0" b="0"/>
+      </a:lnRef>
+      <a:fillRef idx="1">
+        <a:scrgbClr r="0" g="0" b="0"/>
+      </a:fillRef>
+      <a:effectRef idx="0">
+        <a:scrgbClr r="0" g="0" b="0"/>
+      </a:effectRef>
+      <a:fontRef idx="minor">
+        <a:schemeClr val="lt1"/>
+      </a:fontRef>
+    </dgm:style>
+  </dgm:styleLbl>
+  <dgm:styleLbl name="parChTrans2D3">
+    <dgm:scene3d>
+      <a:camera prst="orthographicFront"/>
+      <a:lightRig rig="threePt" dir="t"/>
+    </dgm:scene3d>
+    <dgm:sp3d/>
+    <dgm:txPr/>
+    <dgm:style>
+      <a:lnRef idx="2">
+        <a:scrgbClr r="0" g="0" b="0"/>
+      </a:lnRef>
+      <a:fillRef idx="1">
+        <a:scrgbClr r="0" g="0" b="0"/>
+      </a:fillRef>
+      <a:effectRef idx="0">
+        <a:scrgbClr r="0" g="0" b="0"/>
+      </a:effectRef>
+      <a:fontRef idx="minor">
+        <a:schemeClr val="lt1"/>
+      </a:fontRef>
+    </dgm:style>
+  </dgm:styleLbl>
+  <dgm:styleLbl name="parChTrans2D4">
+    <dgm:scene3d>
+      <a:camera prst="orthographicFront"/>
+      <a:lightRig rig="threePt" dir="t"/>
+    </dgm:scene3d>
+    <dgm:sp3d/>
+    <dgm:txPr/>
+    <dgm:style>
+      <a:lnRef idx="2">
+        <a:scrgbClr r="0" g="0" b="0"/>
+      </a:lnRef>
+      <a:fillRef idx="1">
+        <a:scrgbClr r="0" g="0" b="0"/>
+      </a:fillRef>
+      <a:effectRef idx="0">
+        <a:scrgbClr r="0" g="0" b="0"/>
+      </a:effectRef>
+      <a:fontRef idx="minor">
+        <a:schemeClr val="lt1"/>
+      </a:fontRef>
+    </dgm:style>
+  </dgm:styleLbl>
+  <dgm:styleLbl name="parChTrans1D1">
+    <dgm:scene3d>
+      <a:camera prst="orthographicFront"/>
+      <a:lightRig rig="threePt" dir="t"/>
+    </dgm:scene3d>
+    <dgm:sp3d/>
+    <dgm:txPr/>
+    <dgm:style>
+      <a:lnRef idx="2">
+        <a:scrgbClr r="0" g="0" b="0"/>
+      </a:lnRef>
+      <a:fillRef idx="0">
+        <a:scrgbClr r="0" g="0" b="0"/>
+      </a:fillRef>
+      <a:effectRef idx="0">
+        <a:scrgbClr r="0" g="0" b="0"/>
+      </a:effectRef>
+      <a:fontRef idx="minor"/>
+    </dgm:style>
+  </dgm:styleLbl>
+  <dgm:styleLbl name="parChTrans1D2">
+    <dgm:scene3d>
+      <a:camera prst="orthographicFront"/>
+      <a:lightRig rig="threePt" dir="t"/>
+    </dgm:scene3d>
+    <dgm:sp3d/>
+    <dgm:txPr/>
+    <dgm:style>
+      <a:lnRef idx="2">
+        <a:scrgbClr r="0" g="0" b="0"/>
+      </a:lnRef>
+      <a:fillRef idx="0">
+        <a:scrgbClr r="0" g="0" b="0"/>
+      </a:fillRef>
+      <a:effectRef idx="0">
+        <a:scrgbClr r="0" g="0" b="0"/>
+      </a:effectRef>
+      <a:fontRef idx="minor"/>
+    </dgm:style>
+  </dgm:styleLbl>
+  <dgm:styleLbl name="parChTrans1D3">
+    <dgm:scene3d>
+      <a:camera prst="orthographicFront"/>
+      <a:lightRig rig="threePt" dir="t"/>
+    </dgm:scene3d>
+    <dgm:sp3d/>
+    <dgm:txPr/>
+    <dgm:style>
+      <a:lnRef idx="2">
+        <a:scrgbClr r="0" g="0" b="0"/>
+      </a:lnRef>
+      <a:fillRef idx="0">
+        <a:scrgbClr r="0" g="0" b="0"/>
+      </a:fillRef>
+      <a:effectRef idx="0">
+        <a:scrgbClr r="0" g="0" b="0"/>
+      </a:effectRef>
+      <a:fontRef idx="minor"/>
+    </dgm:style>
+  </dgm:styleLbl>
+  <dgm:styleLbl name="parChTrans1D4">
+    <dgm:scene3d>
+      <a:camera prst="orthographicFront"/>
+      <a:lightRig rig="threePt" dir="t"/>
+    </dgm:scene3d>
+    <dgm:sp3d/>
+    <dgm:txPr/>
+    <dgm:style>
+      <a:lnRef idx="2">
+        <a:scrgbClr r="0" g="0" b="0"/>
+      </a:lnRef>
+      <a:fillRef idx="0">
+        <a:scrgbClr r="0" g="0" b="0"/>
+      </a:fillRef>
+      <a:effectRef idx="0">
+        <a:scrgbClr r="0" g="0" b="0"/>
+      </a:effectRef>
+      <a:fontRef idx="minor"/>
+    </dgm:style>
+  </dgm:styleLbl>
+  <dgm:styleLbl name="fgAcc1">
+    <dgm:scene3d>
+      <a:camera prst="orthographicFront"/>
+      <a:lightRig rig="threePt" dir="t"/>
+    </dgm:scene3d>
+    <dgm:sp3d/>
+    <dgm:txPr/>
+    <dgm:style>
+      <a:lnRef idx="2">
+        <a:scrgbClr r="0" g="0" b="0"/>
+      </a:lnRef>
+      <a:fillRef idx="1">
+        <a:scrgbClr r="0" g="0" b="0"/>
+      </a:fillRef>
+      <a:effectRef idx="0">
+        <a:scrgbClr r="0" g="0" b="0"/>
+      </a:effectRef>
+      <a:fontRef idx="minor"/>
+    </dgm:style>
+  </dgm:styleLbl>
+  <dgm:styleLbl name="conFgAcc1">
+    <dgm:scene3d>
+      <a:camera prst="orthographicFront"/>
+      <a:lightRig rig="threePt" dir="t"/>
+    </dgm:scene3d>
+    <dgm:sp3d/>
+    <dgm:txPr/>
+    <dgm:style>
+      <a:lnRef idx="2">
+        <a:scrgbClr r="0" g="0" b="0"/>
+      </a:lnRef>
+      <a:fillRef idx="1">
+        <a:scrgbClr r="0" g="0" b="0"/>
+      </a:fillRef>
+      <a:effectRef idx="0">
+        <a:scrgbClr r="0" g="0" b="0"/>
+      </a:effectRef>
+      <a:fontRef idx="minor"/>
+    </dgm:style>
+  </dgm:styleLbl>
+  <dgm:styleLbl name="alignAcc1">
+    <dgm:scene3d>
+      <a:camera prst="orthographicFront"/>
+      <a:lightRig rig="threePt" dir="t"/>
+    </dgm:scene3d>
+    <dgm:sp3d/>
+    <dgm:txPr/>
+    <dgm:style>
+      <a:lnRef idx="2">
+        <a:scrgbClr r="0" g="0" b="0"/>
+      </a:lnRef>
+      <a:fillRef idx="1">
+        <a:scrgbClr r="0" g="0" b="0"/>
+      </a:fillRef>
+      <a:effectRef idx="0">
+        <a:scrgbClr r="0" g="0" b="0"/>
+      </a:effectRef>
+      <a:fontRef idx="minor"/>
+    </dgm:style>
+  </dgm:styleLbl>
+  <dgm:styleLbl name="trAlignAcc1">
+    <dgm:scene3d>
+      <a:camera prst="orthographicFront"/>
+      <a:lightRig rig="threePt" dir="t"/>
+    </dgm:scene3d>
+    <dgm:sp3d/>
+    <dgm:txPr/>
+    <dgm:style>
+      <a:lnRef idx="1">
+        <a:scrgbClr r="0" g="0" b="0"/>
+      </a:lnRef>
+      <a:fillRef idx="1">
+        <a:scrgbClr r="0" g="0" b="0"/>
+      </a:fillRef>
+      <a:effectRef idx="0">
+        <a:scrgbClr r="0" g="0" b="0"/>
+      </a:effectRef>
+      <a:fontRef idx="minor"/>
+    </dgm:style>
+  </dgm:styleLbl>
+  <dgm:styleLbl name="bgAcc1">
+    <dgm:scene3d>
+      <a:camera prst="orthographicFront"/>
+      <a:lightRig rig="threePt" dir="t"/>
+    </dgm:scene3d>
+    <dgm:sp3d/>
+    <dgm:txPr/>
+    <dgm:style>
+      <a:lnRef idx="2">
+        <a:scrgbClr r="0" g="0" b="0"/>
+      </a:lnRef>
+      <a:fillRef idx="1">
+        <a:scrgbClr r="0" g="0" b="0"/>
+      </a:fillRef>
+      <a:effectRef idx="0">
+        <a:scrgbClr r="0" g="0" b="0"/>
+      </a:effectRef>
+      <a:fontRef idx="minor"/>
+    </dgm:style>
+  </dgm:styleLbl>
+  <dgm:styleLbl name="solidFgAcc1">
+    <dgm:scene3d>
+      <a:camera prst="orthographicFront"/>
+      <a:lightRig rig="threePt" dir="t"/>
+    </dgm:scene3d>
+    <dgm:sp3d/>
+    <dgm:txPr/>
+    <dgm:style>
+      <a:lnRef idx="2">
+        <a:scrgbClr r="0" g="0" b="0"/>
+      </a:lnRef>
+      <a:fillRef idx="1">
+        <a:scrgbClr r="0" g="0" b="0"/>
+      </a:fillRef>
+      <a:effectRef idx="0">
+        <a:scrgbClr r="0" g="0" b="0"/>
+      </a:effectRef>
+      <a:fontRef idx="minor"/>
+    </dgm:style>
+  </dgm:styleLbl>
+  <dgm:styleLbl name="solidAlignAcc1">
+    <dgm:scene3d>
+      <a:camera prst="orthographicFront"/>
+      <a:lightRig rig="threePt" dir="t"/>
+    </dgm:scene3d>
+    <dgm:sp3d/>
+    <dgm:txPr/>
+    <dgm:style>
+      <a:lnRef idx="2">
+        <a:scrgbClr r="0" g="0" b="0"/>
+      </a:lnRef>
+      <a:fillRef idx="1">
+        <a:scrgbClr r="0" g="0" b="0"/>
+      </a:fillRef>
+      <a:effectRef idx="0">
+        <a:scrgbClr r="0" g="0" b="0"/>
+      </a:effectRef>
+      <a:fontRef idx="minor"/>
+    </dgm:style>
+  </dgm:styleLbl>
+  <dgm:styleLbl name="solidBgAcc1">
+    <dgm:scene3d>
+      <a:camera prst="orthographicFront"/>
+      <a:lightRig rig="threePt" dir="t"/>
+    </dgm:scene3d>
+    <dgm:sp3d/>
+    <dgm:txPr/>
+    <dgm:style>
+      <a:lnRef idx="2">
+        <a:scrgbClr r="0" g="0" b="0"/>
+      </a:lnRef>
+      <a:fillRef idx="1">
+        <a:scrgbClr r="0" g="0" b="0"/>
+      </a:fillRef>
+      <a:effectRef idx="0">
+        <a:scrgbClr r="0" g="0" b="0"/>
+      </a:effectRef>
+      <a:fontRef idx="minor"/>
+    </dgm:style>
+  </dgm:styleLbl>
+  <dgm:styleLbl name="fgAccFollowNode1">
+    <dgm:scene3d>
+      <a:camera prst="orthographicFront"/>
+      <a:lightRig rig="threePt" dir="t"/>
+    </dgm:scene3d>
+    <dgm:sp3d/>
+    <dgm:txPr/>
+    <dgm:style>
+      <a:lnRef idx="2">
+        <a:scrgbClr r="0" g="0" b="0"/>
+      </a:lnRef>
+      <a:fillRef idx="1">
+        <a:scrgbClr r="0" g="0" b="0"/>
+      </a:fillRef>
+      <a:effectRef idx="0">
+        <a:scrgbClr r="0" g="0" b="0"/>
+      </a:effectRef>
+      <a:fontRef idx="minor"/>
+    </dgm:style>
+  </dgm:styleLbl>
+  <dgm:styleLbl name="alignAccFollowNode1">
+    <dgm:scene3d>
+      <a:camera prst="orthographicFront"/>
+      <a:lightRig rig="threePt" dir="t"/>
+    </dgm:scene3d>
+    <dgm:sp3d/>
+    <dgm:txPr/>
+    <dgm:style>
+      <a:lnRef idx="2">
+        <a:scrgbClr r="0" g="0" b="0"/>
+      </a:lnRef>
+      <a:fillRef idx="1">
+        <a:scrgbClr r="0" g="0" b="0"/>
+      </a:fillRef>
+      <a:effectRef idx="0">
+        <a:scrgbClr r="0" g="0" b="0"/>
+      </a:effectRef>
+      <a:fontRef idx="minor"/>
+    </dgm:style>
+  </dgm:styleLbl>
+  <dgm:styleLbl name="bgAccFollowNode1">
+    <dgm:scene3d>
+      <a:camera prst="orthographicFront"/>
+      <a:lightRig rig="threePt" dir="t"/>
+    </dgm:scene3d>
+    <dgm:sp3d/>
+    <dgm:txPr/>
+    <dgm:style>
+      <a:lnRef idx="2">
+        <a:scrgbClr r="0" g="0" b="0"/>
+      </a:lnRef>
+      <a:fillRef idx="1">
+        <a:scrgbClr r="0" g="0" b="0"/>
+      </a:fillRef>
+      <a:effectRef idx="0">
+        <a:scrgbClr r="0" g="0" b="0"/>
+      </a:effectRef>
+      <a:fontRef idx="minor"/>
+    </dgm:style>
+  </dgm:styleLbl>
+  <dgm:styleLbl name="fgAcc0">
+    <dgm:scene3d>
+      <a:camera prst="orthographicFront"/>
+      <a:lightRig rig="threePt" dir="t"/>
+    </dgm:scene3d>
+    <dgm:sp3d/>
+    <dgm:txPr/>
+    <dgm:style>
+      <a:lnRef idx="2">
+        <a:scrgbClr r="0" g="0" b="0"/>
+      </a:lnRef>
+      <a:fillRef idx="1">
+        <a:scrgbClr r="0" g="0" b="0"/>
+      </a:fillRef>
+      <a:effectRef idx="0">
+        <a:scrgbClr r="0" g="0" b="0"/>
+      </a:effectRef>
+      <a:fontRef idx="minor"/>
+    </dgm:style>
+  </dgm:styleLbl>
+  <dgm:styleLbl name="fgAcc2">
+    <dgm:scene3d>
+      <a:camera prst="orthographicFront"/>
+      <a:lightRig rig="threePt" dir="t"/>
+    </dgm:scene3d>
+    <dgm:sp3d/>
+    <dgm:txPr/>
+    <dgm:style>
+      <a:lnRef idx="2">
+        <a:scrgbClr r="0" g="0" b="0"/>
+      </a:lnRef>
+      <a:fillRef idx="1">
+        <a:scrgbClr r="0" g="0" b="0"/>
+      </a:fillRef>
+      <a:effectRef idx="0">
+        <a:scrgbClr r="0" g="0" b="0"/>
+      </a:effectRef>
+      <a:fontRef idx="minor"/>
+    </dgm:style>
+  </dgm:styleLbl>
+  <dgm:styleLbl name="fgAcc3">
+    <dgm:scene3d>
+      <a:camera prst="orthographicFront"/>
+      <a:lightRig rig="threePt" dir="t"/>
+    </dgm:scene3d>
+    <dgm:sp3d/>
+    <dgm:txPr/>
+    <dgm:style>
+      <a:lnRef idx="2">
+        <a:scrgbClr r="0" g="0" b="0"/>
+      </a:lnRef>
+      <a:fillRef idx="1">
+        <a:scrgbClr r="0" g="0" b="0"/>
+      </a:fillRef>
+      <a:effectRef idx="0">
+        <a:scrgbClr r="0" g="0" b="0"/>
+      </a:effectRef>
+      <a:fontRef idx="minor"/>
+    </dgm:style>
+  </dgm:styleLbl>
+  <dgm:styleLbl name="fgAcc4">
+    <dgm:scene3d>
+      <a:camera prst="orthographicFront"/>
+      <a:lightRig rig="threePt" dir="t"/>
+    </dgm:scene3d>
+    <dgm:sp3d/>
+    <dgm:txPr/>
+    <dgm:style>
+      <a:lnRef idx="2">
+        <a:scrgbClr r="0" g="0" b="0"/>
+      </a:lnRef>
+      <a:fillRef idx="1">
+        <a:scrgbClr r="0" g="0" b="0"/>
+      </a:fillRef>
+      <a:effectRef idx="0">
+        <a:scrgbClr r="0" g="0" b="0"/>
+      </a:effectRef>
+      <a:fontRef idx="minor"/>
+    </dgm:style>
+  </dgm:styleLbl>
+  <dgm:styleLbl name="bgShp">
+    <dgm:scene3d>
+      <a:camera prst="orthographicFront"/>
+      <a:lightRig rig="threePt" dir="t"/>
+    </dgm:scene3d>
+    <dgm:sp3d/>
+    <dgm:txPr/>
+    <dgm:style>
+      <a:lnRef idx="0">
+        <a:scrgbClr r="0" g="0" b="0"/>
+      </a:lnRef>
+      <a:fillRef idx="1">
+        <a:scrgbClr r="0" g="0" b="0"/>
+      </a:fillRef>
+      <a:effectRef idx="0">
+        <a:scrgbClr r="0" g="0" b="0"/>
+      </a:effectRef>
+      <a:fontRef idx="minor"/>
+    </dgm:style>
+  </dgm:styleLbl>
+  <dgm:styleLbl name="dkBgShp">
+    <dgm:scene3d>
+      <a:camera prst="orthographicFront"/>
+      <a:lightRig rig="threePt" dir="t"/>
+    </dgm:scene3d>
+    <dgm:sp3d/>
+    <dgm:txPr/>
+    <dgm:style>
+      <a:lnRef idx="0">
+        <a:scrgbClr r="0" g="0" b="0"/>
+      </a:lnRef>
+      <a:fillRef idx="1">
+        <a:scrgbClr r="0" g="0" b="0"/>
+      </a:fillRef>
+      <a:effectRef idx="0">
+        <a:scrgbClr r="0" g="0" b="0"/>
+      </a:effectRef>
+      <a:fontRef idx="minor"/>
+    </dgm:style>
+  </dgm:styleLbl>
+  <dgm:styleLbl name="trBgShp">
+    <dgm:scene3d>
+      <a:camera prst="orthographicFront"/>
+      <a:lightRig rig="threePt" dir="t"/>
+    </dgm:scene3d>
+    <dgm:sp3d/>
+    <dgm:txPr/>
+    <dgm:style>
+      <a:lnRef idx="0">
+        <a:scrgbClr r="0" g="0" b="0"/>
+      </a:lnRef>
+      <a:fillRef idx="1">
+        <a:scrgbClr r="0" g="0" b="0"/>
+      </a:fillRef>
+      <a:effectRef idx="0">
+        <a:scrgbClr r="0" g="0" b="0"/>
+      </a:effectRef>
+      <a:fontRef idx="minor"/>
+    </dgm:style>
+  </dgm:styleLbl>
+  <dgm:styleLbl name="fgShp">
+    <dgm:scene3d>
+      <a:camera prst="orthographicFront"/>
+      <a:lightRig rig="threePt" dir="t"/>
+    </dgm:scene3d>
+    <dgm:sp3d/>
+    <dgm:txPr/>
+    <dgm:style>
+      <a:lnRef idx="2">
+        <a:scrgbClr r="0" g="0" b="0"/>
+      </a:lnRef>
+      <a:fillRef idx="1">
+        <a:scrgbClr r="0" g="0" b="0"/>
+      </a:fillRef>
+      <a:effectRef idx="0">
+        <a:scrgbClr r="0" g="0" b="0"/>
+      </a:effectRef>
+      <a:fontRef idx="minor"/>
+    </dgm:style>
+  </dgm:styleLbl>
+  <dgm:styleLbl name="revTx">
+    <dgm:scene3d>
+      <a:camera prst="orthographicFront"/>
+      <a:lightRig rig="threePt" dir="t"/>
+    </dgm:scene3d>
+    <dgm:sp3d/>
+    <dgm:txPr/>
+    <dgm:style>
+      <a:lnRef idx="0">
+        <a:scrgbClr r="0" g="0" b="0"/>
+      </a:lnRef>
+      <a:fillRef idx="0">
+        <a:scrgbClr r="0" g="0" b="0"/>
+      </a:fillRef>
+      <a:effectRef idx="0">
+        <a:scrgbClr r="0" g="0" b="0"/>
+      </a:effectRef>
+      <a:fontRef idx="minor"/>
+    </dgm:style>
+  </dgm:styleLbl>
+</dgm:styleDef>
+</file>
+
+<file path=ppt/diagrams/quickStyle4.xml><?xml version="1.0" encoding="utf-8"?>
 <dgm:styleDef xmlns:dgm="http://schemas.openxmlformats.org/drawingml/2006/diagram" xmlns:a="http://schemas.openxmlformats.org/drawingml/2006/main" uniqueId="urn:microsoft.com/office/officeart/2005/8/quickstyle/simple1">
   <dgm:title val=""/>
   <dgm:desc val=""/>
@@ -13717,6 +16700,572 @@
               <a:rPr lang="en-US" smtClean="0"/>
               <a:pPr/>
               <a:t>11</a:t>
+            </a:fld>
+            <a:endParaRPr lang="en-US"/>
+          </a:p>
+        </p:txBody>
+      </p:sp>
+    </p:spTree>
+  </p:cSld>
+  <p:clrMapOvr>
+    <a:masterClrMapping/>
+  </p:clrMapOvr>
+</p:notes>
+</file>
+
+<file path=ppt/notesSlides/notesSlide6.xml><?xml version="1.0" encoding="utf-8"?>
+<p:notes xmlns:a="http://schemas.openxmlformats.org/drawingml/2006/main" xmlns:r="http://schemas.openxmlformats.org/officeDocument/2006/relationships" xmlns:p="http://schemas.openxmlformats.org/presentationml/2006/main">
+  <p:cSld>
+    <p:spTree>
+      <p:nvGrpSpPr>
+        <p:cNvPr id="1" name=""/>
+        <p:cNvGrpSpPr/>
+        <p:nvPr/>
+      </p:nvGrpSpPr>
+      <p:grpSpPr>
+        <a:xfrm>
+          <a:off x="0" y="0"/>
+          <a:ext cx="0" cy="0"/>
+          <a:chOff x="0" y="0"/>
+          <a:chExt cx="0" cy="0"/>
+        </a:xfrm>
+      </p:grpSpPr>
+      <p:sp>
+        <p:nvSpPr>
+          <p:cNvPr id="2" name="Slide Image Placeholder 1"/>
+          <p:cNvSpPr>
+            <a:spLocks noGrp="1" noRot="1" noChangeAspect="1"/>
+          </p:cNvSpPr>
+          <p:nvPr>
+            <p:ph type="sldImg"/>
+          </p:nvPr>
+        </p:nvSpPr>
+        <p:spPr/>
+      </p:sp>
+      <p:sp>
+        <p:nvSpPr>
+          <p:cNvPr id="3" name="Notes Placeholder 2"/>
+          <p:cNvSpPr>
+            <a:spLocks noGrp="1"/>
+          </p:cNvSpPr>
+          <p:nvPr>
+            <p:ph type="body" idx="1"/>
+          </p:nvPr>
+        </p:nvSpPr>
+        <p:spPr/>
+        <p:txBody>
+          <a:bodyPr>
+            <a:normAutofit/>
+          </a:bodyPr>
+          <a:lstStyle/>
+          <a:p>
+            <a:r>
+              <a:rPr lang="en-US" dirty="0" err="1" smtClean="0"/>
+              <a:t>Thực</a:t>
+            </a:r>
+            <a:r>
+              <a:rPr lang="en-US" dirty="0" smtClean="0"/>
+              <a:t> </a:t>
+            </a:r>
+            <a:r>
+              <a:rPr lang="en-US" dirty="0" err="1" smtClean="0"/>
+              <a:t>chất</a:t>
+            </a:r>
+            <a:r>
+              <a:rPr lang="en-US" baseline="0" dirty="0" smtClean="0"/>
+              <a:t> </a:t>
+            </a:r>
+            <a:r>
+              <a:rPr lang="en-US" dirty="0" err="1" smtClean="0"/>
+              <a:t>Kế</a:t>
+            </a:r>
+            <a:r>
+              <a:rPr lang="en-US" dirty="0" smtClean="0"/>
+              <a:t> </a:t>
+            </a:r>
+            <a:r>
+              <a:rPr lang="en-US" dirty="0" err="1" smtClean="0"/>
+              <a:t>thừa</a:t>
+            </a:r>
+            <a:r>
+              <a:rPr lang="en-US" baseline="0" dirty="0" smtClean="0"/>
+              <a:t> </a:t>
+            </a:r>
+            <a:r>
+              <a:rPr lang="en-US" baseline="0" dirty="0" err="1" smtClean="0"/>
+              <a:t>được</a:t>
+            </a:r>
+            <a:r>
+              <a:rPr lang="en-US" baseline="0" dirty="0" smtClean="0"/>
+              <a:t> </a:t>
+            </a:r>
+            <a:r>
+              <a:rPr lang="en-US" baseline="0" dirty="0" err="1" smtClean="0"/>
+              <a:t>phát</a:t>
+            </a:r>
+            <a:r>
+              <a:rPr lang="en-US" baseline="0" dirty="0" smtClean="0"/>
+              <a:t> </a:t>
+            </a:r>
+            <a:r>
+              <a:rPr lang="en-US" baseline="0" dirty="0" err="1" smtClean="0"/>
+              <a:t>được</a:t>
+            </a:r>
+            <a:r>
+              <a:rPr lang="en-US" baseline="0" dirty="0" smtClean="0"/>
+              <a:t> </a:t>
+            </a:r>
+            <a:r>
+              <a:rPr lang="en-US" baseline="0" dirty="0" err="1" smtClean="0"/>
+              <a:t>phát</a:t>
+            </a:r>
+            <a:r>
+              <a:rPr lang="en-US" baseline="0" dirty="0" smtClean="0"/>
+              <a:t> </a:t>
+            </a:r>
+            <a:r>
+              <a:rPr lang="en-US" baseline="0" dirty="0" err="1" smtClean="0"/>
+              <a:t>triển</a:t>
+            </a:r>
+            <a:r>
+              <a:rPr lang="en-US" baseline="0" dirty="0" smtClean="0"/>
+              <a:t> </a:t>
+            </a:r>
+            <a:r>
+              <a:rPr lang="en-US" baseline="0" dirty="0" err="1" smtClean="0"/>
+              <a:t>cho</a:t>
+            </a:r>
+            <a:r>
+              <a:rPr lang="en-US" baseline="0" dirty="0" smtClean="0"/>
+              <a:t> </a:t>
+            </a:r>
+            <a:r>
+              <a:rPr lang="en-US" baseline="0" dirty="0" err="1" smtClean="0"/>
+              <a:t>lập</a:t>
+            </a:r>
+            <a:r>
+              <a:rPr lang="en-US" baseline="0" dirty="0" smtClean="0"/>
+              <a:t> </a:t>
+            </a:r>
+            <a:r>
+              <a:rPr lang="en-US" baseline="0" dirty="0" err="1" smtClean="0"/>
+              <a:t>trình</a:t>
+            </a:r>
+            <a:r>
+              <a:rPr lang="en-US" baseline="0" dirty="0" smtClean="0"/>
+              <a:t> </a:t>
+            </a:r>
+            <a:r>
+              <a:rPr lang="en-US" baseline="0" dirty="0" err="1" smtClean="0"/>
+              <a:t>hướng</a:t>
+            </a:r>
+            <a:r>
+              <a:rPr lang="en-US" baseline="0" dirty="0" smtClean="0"/>
+              <a:t> </a:t>
+            </a:r>
+            <a:r>
+              <a:rPr lang="en-US" baseline="0" dirty="0" err="1" smtClean="0"/>
+              <a:t>đối</a:t>
+            </a:r>
+            <a:r>
+              <a:rPr lang="en-US" baseline="0" dirty="0" smtClean="0"/>
+              <a:t> </a:t>
+            </a:r>
+            <a:r>
+              <a:rPr lang="en-US" baseline="0" dirty="0" err="1" smtClean="0"/>
+              <a:t>tượng</a:t>
+            </a:r>
+            <a:r>
+              <a:rPr lang="en-US" baseline="0" dirty="0" smtClean="0"/>
+              <a:t>, </a:t>
+            </a:r>
+            <a:r>
+              <a:rPr lang="en-US" baseline="0" dirty="0" err="1" smtClean="0"/>
+              <a:t>nhưng</a:t>
+            </a:r>
+            <a:r>
+              <a:rPr lang="en-US" baseline="0" dirty="0" smtClean="0"/>
+              <a:t> ở </a:t>
+            </a:r>
+            <a:r>
+              <a:rPr lang="en-US" baseline="0" dirty="0" err="1" smtClean="0"/>
+              <a:t>đây</a:t>
+            </a:r>
+            <a:r>
+              <a:rPr lang="en-US" baseline="0" dirty="0" smtClean="0"/>
+              <a:t> </a:t>
+            </a:r>
+            <a:r>
+              <a:rPr lang="en-US" baseline="0" dirty="0" err="1" smtClean="0"/>
+              <a:t>kế</a:t>
+            </a:r>
+            <a:r>
+              <a:rPr lang="en-US" baseline="0" dirty="0" smtClean="0"/>
+              <a:t> </a:t>
+            </a:r>
+            <a:r>
+              <a:rPr lang="en-US" baseline="0" dirty="0" err="1" smtClean="0"/>
+              <a:t>thừa</a:t>
+            </a:r>
+            <a:r>
+              <a:rPr lang="en-US" baseline="0" dirty="0" smtClean="0"/>
+              <a:t> </a:t>
+            </a:r>
+            <a:r>
+              <a:rPr lang="en-US" baseline="0" dirty="0" err="1" smtClean="0"/>
+              <a:t>có</a:t>
+            </a:r>
+            <a:r>
+              <a:rPr lang="en-US" baseline="0" dirty="0" smtClean="0"/>
+              <a:t> </a:t>
+            </a:r>
+            <a:r>
+              <a:rPr lang="en-US" baseline="0" dirty="0" err="1" smtClean="0"/>
+              <a:t>sự</a:t>
+            </a:r>
+            <a:r>
+              <a:rPr lang="en-US" baseline="0" dirty="0" smtClean="0"/>
+              <a:t> </a:t>
+            </a:r>
+            <a:r>
+              <a:rPr lang="en-US" baseline="0" dirty="0" err="1" smtClean="0"/>
+              <a:t>khác</a:t>
+            </a:r>
+            <a:r>
+              <a:rPr lang="en-US" baseline="0" dirty="0" smtClean="0"/>
+              <a:t> </a:t>
+            </a:r>
+            <a:r>
+              <a:rPr lang="en-US" baseline="0" dirty="0" err="1" smtClean="0"/>
+              <a:t>biệt</a:t>
+            </a:r>
+            <a:r>
+              <a:rPr lang="en-US" baseline="0" dirty="0" smtClean="0"/>
+              <a:t>, </a:t>
+            </a:r>
+            <a:r>
+              <a:rPr lang="en-US" baseline="0" dirty="0" err="1" smtClean="0"/>
+              <a:t>ta</a:t>
+            </a:r>
+            <a:r>
+              <a:rPr lang="en-US" baseline="0" dirty="0" smtClean="0"/>
+              <a:t> </a:t>
+            </a:r>
+            <a:r>
+              <a:rPr lang="en-US" baseline="0" dirty="0" err="1" smtClean="0"/>
+              <a:t>xét</a:t>
+            </a:r>
+            <a:r>
+              <a:rPr lang="en-US" baseline="0" dirty="0" smtClean="0"/>
+              <a:t> </a:t>
+            </a:r>
+            <a:r>
+              <a:rPr lang="en-US" baseline="0" dirty="0" err="1" smtClean="0"/>
+              <a:t>nó</a:t>
+            </a:r>
+            <a:r>
+              <a:rPr lang="en-US" baseline="0" dirty="0" smtClean="0"/>
+              <a:t> </a:t>
+            </a:r>
+            <a:r>
+              <a:rPr lang="en-US" baseline="0" dirty="0" err="1" smtClean="0"/>
+              <a:t>với</a:t>
+            </a:r>
+            <a:r>
+              <a:rPr lang="en-US" baseline="0" dirty="0" smtClean="0"/>
+              <a:t> </a:t>
+            </a:r>
+            <a:r>
+              <a:rPr lang="en-US" baseline="0" dirty="0" err="1" smtClean="0"/>
+              <a:t>kế</a:t>
+            </a:r>
+            <a:r>
+              <a:rPr lang="en-US" baseline="0" dirty="0" smtClean="0"/>
+              <a:t> </a:t>
+            </a:r>
+            <a:r>
+              <a:rPr lang="en-US" baseline="0" dirty="0" err="1" smtClean="0"/>
+              <a:t>thừa</a:t>
+            </a:r>
+            <a:r>
+              <a:rPr lang="en-US" baseline="0" dirty="0" smtClean="0"/>
+              <a:t> </a:t>
+            </a:r>
+            <a:r>
+              <a:rPr lang="en-US" baseline="0" dirty="0" err="1" smtClean="0"/>
+              <a:t>của</a:t>
+            </a:r>
+            <a:r>
+              <a:rPr lang="en-US" baseline="0" dirty="0" smtClean="0"/>
+              <a:t> </a:t>
+            </a:r>
+            <a:r>
+              <a:rPr lang="en-US" baseline="0" dirty="0" err="1" smtClean="0"/>
+              <a:t>ngôn</a:t>
+            </a:r>
+            <a:r>
+              <a:rPr lang="en-US" baseline="0" dirty="0" smtClean="0"/>
+              <a:t> </a:t>
+            </a:r>
+            <a:r>
+              <a:rPr lang="en-US" baseline="0" dirty="0" err="1" smtClean="0"/>
+              <a:t>ngữ</a:t>
+            </a:r>
+            <a:r>
+              <a:rPr lang="en-US" baseline="0" dirty="0" smtClean="0"/>
+              <a:t> </a:t>
+            </a:r>
+            <a:r>
+              <a:rPr lang="en-US" baseline="0" dirty="0" err="1" smtClean="0"/>
+              <a:t>c++</a:t>
+            </a:r>
+            <a:r>
+              <a:rPr lang="en-US" baseline="0" dirty="0" smtClean="0"/>
+              <a:t> </a:t>
+            </a:r>
+            <a:r>
+              <a:rPr lang="en-US" baseline="0" dirty="0" err="1" smtClean="0"/>
+              <a:t>hoặc</a:t>
+            </a:r>
+            <a:r>
+              <a:rPr lang="en-US" baseline="0" dirty="0" smtClean="0"/>
+              <a:t> java</a:t>
+            </a:r>
+          </a:p>
+          <a:p>
+            <a:r>
+              <a:rPr lang="en-US" baseline="0" dirty="0" smtClean="0"/>
+              <a:t>     </a:t>
+            </a:r>
+            <a:r>
+              <a:rPr lang="en-US" baseline="0" dirty="0" err="1" smtClean="0"/>
+              <a:t>tuy</a:t>
+            </a:r>
+            <a:r>
+              <a:rPr lang="en-US" baseline="0" dirty="0" smtClean="0"/>
+              <a:t> </a:t>
+            </a:r>
+            <a:r>
+              <a:rPr lang="en-US" baseline="0" dirty="0" err="1" smtClean="0"/>
+              <a:t>nhiên</a:t>
+            </a:r>
+            <a:r>
+              <a:rPr lang="en-US" baseline="0" dirty="0" smtClean="0"/>
+              <a:t> </a:t>
+            </a:r>
+            <a:r>
+              <a:rPr lang="en-US" baseline="0" dirty="0" err="1" smtClean="0"/>
+              <a:t>hệ</a:t>
+            </a:r>
+            <a:r>
+              <a:rPr lang="en-US" baseline="0" dirty="0" smtClean="0"/>
+              <a:t> </a:t>
+            </a:r>
+            <a:r>
+              <a:rPr lang="en-US" baseline="0" dirty="0" err="1" smtClean="0"/>
+              <a:t>thống</a:t>
+            </a:r>
+            <a:r>
+              <a:rPr lang="en-US" baseline="0" dirty="0" smtClean="0"/>
+              <a:t> </a:t>
+            </a:r>
+            <a:r>
+              <a:rPr lang="en-US" baseline="0" dirty="0" err="1" smtClean="0"/>
+              <a:t>cung</a:t>
+            </a:r>
+            <a:r>
+              <a:rPr lang="en-US" baseline="0" dirty="0" smtClean="0"/>
+              <a:t> </a:t>
+            </a:r>
+            <a:r>
+              <a:rPr lang="en-US" baseline="0" dirty="0" err="1" smtClean="0"/>
+              <a:t>cấp</a:t>
+            </a:r>
+            <a:r>
+              <a:rPr lang="en-US" baseline="0" dirty="0" smtClean="0"/>
+              <a:t> </a:t>
+            </a:r>
+            <a:r>
+              <a:rPr lang="en-US" baseline="0" dirty="0" err="1" smtClean="0"/>
+              <a:t>ngôn</a:t>
+            </a:r>
+            <a:r>
+              <a:rPr lang="en-US" baseline="0" dirty="0" smtClean="0"/>
+              <a:t> </a:t>
+            </a:r>
+            <a:r>
+              <a:rPr lang="en-US" baseline="0" dirty="0" err="1" smtClean="0"/>
+              <a:t>ngữ</a:t>
+            </a:r>
+            <a:r>
+              <a:rPr lang="en-US" baseline="0" dirty="0" smtClean="0"/>
+              <a:t> </a:t>
+            </a:r>
+            <a:r>
+              <a:rPr lang="en-US" baseline="0" dirty="0" err="1" smtClean="0"/>
+              <a:t>truy</a:t>
+            </a:r>
+            <a:r>
+              <a:rPr lang="en-US" baseline="0" dirty="0" smtClean="0"/>
+              <a:t> </a:t>
+            </a:r>
+            <a:r>
+              <a:rPr lang="en-US" baseline="0" dirty="0" err="1" smtClean="0"/>
+              <a:t>vấn</a:t>
+            </a:r>
+            <a:r>
+              <a:rPr lang="en-US" baseline="0" dirty="0" smtClean="0"/>
+              <a:t> qua </a:t>
+            </a:r>
+            <a:r>
+              <a:rPr lang="en-US" baseline="0" dirty="0" err="1" smtClean="0"/>
+              <a:t>các</a:t>
+            </a:r>
+            <a:r>
+              <a:rPr lang="en-US" baseline="0" dirty="0" smtClean="0"/>
+              <a:t> </a:t>
+            </a:r>
+            <a:r>
+              <a:rPr lang="en-US" baseline="0" dirty="0" err="1" smtClean="0"/>
+              <a:t>bảng</a:t>
+            </a:r>
+            <a:r>
+              <a:rPr lang="en-US" baseline="0" dirty="0" smtClean="0"/>
+              <a:t> datasets. </a:t>
+            </a:r>
+            <a:r>
+              <a:rPr lang="en-US" baseline="0" dirty="0" err="1" smtClean="0"/>
+              <a:t>Vì</a:t>
+            </a:r>
+            <a:r>
+              <a:rPr lang="en-US" baseline="0" dirty="0" smtClean="0"/>
+              <a:t> </a:t>
+            </a:r>
+            <a:r>
+              <a:rPr lang="en-US" baseline="0" dirty="0" err="1" smtClean="0"/>
+              <a:t>thế</a:t>
+            </a:r>
+            <a:r>
+              <a:rPr lang="en-US" baseline="0" dirty="0" smtClean="0"/>
+              <a:t> </a:t>
+            </a:r>
+            <a:r>
+              <a:rPr lang="en-US" baseline="0" dirty="0" err="1" smtClean="0"/>
+              <a:t>cớ</a:t>
+            </a:r>
+            <a:r>
+              <a:rPr lang="en-US" baseline="0" dirty="0" smtClean="0"/>
+              <a:t> </a:t>
+            </a:r>
+            <a:r>
+              <a:rPr lang="en-US" baseline="0" dirty="0" err="1" smtClean="0"/>
+              <a:t>chế</a:t>
+            </a:r>
+            <a:r>
+              <a:rPr lang="en-US" baseline="0" dirty="0" smtClean="0"/>
+              <a:t> </a:t>
+            </a:r>
+            <a:r>
+              <a:rPr lang="en-US" baseline="0" dirty="0" err="1" smtClean="0"/>
+              <a:t>này</a:t>
+            </a:r>
+            <a:r>
+              <a:rPr lang="en-US" baseline="0" dirty="0" smtClean="0"/>
+              <a:t> </a:t>
+            </a:r>
+            <a:r>
+              <a:rPr lang="en-US" baseline="0" dirty="0" err="1" smtClean="0"/>
+              <a:t>áp</a:t>
+            </a:r>
+            <a:r>
+              <a:rPr lang="en-US" baseline="0" dirty="0" smtClean="0"/>
+              <a:t> </a:t>
+            </a:r>
+            <a:r>
+              <a:rPr lang="en-US" baseline="0" dirty="0" err="1" smtClean="0"/>
+              <a:t>dụng</a:t>
+            </a:r>
+            <a:r>
+              <a:rPr lang="en-US" baseline="0" dirty="0" smtClean="0"/>
+              <a:t> </a:t>
+            </a:r>
+            <a:r>
+              <a:rPr lang="en-US" baseline="0" dirty="0" err="1" smtClean="0"/>
+              <a:t>tốt</a:t>
+            </a:r>
+            <a:r>
+              <a:rPr lang="en-US" baseline="0" dirty="0" smtClean="0"/>
+              <a:t> </a:t>
+            </a:r>
+            <a:r>
+              <a:rPr lang="en-US" baseline="0" dirty="0" err="1" smtClean="0"/>
+              <a:t>cho</a:t>
+            </a:r>
+            <a:r>
+              <a:rPr lang="en-US" baseline="0" dirty="0" smtClean="0"/>
+              <a:t> object </a:t>
+            </a:r>
+            <a:r>
+              <a:rPr lang="en-US" baseline="0" dirty="0" err="1" smtClean="0"/>
+              <a:t>csdl</a:t>
+            </a:r>
+            <a:r>
+              <a:rPr lang="en-US" baseline="0" dirty="0" smtClean="0"/>
+              <a:t> qua </a:t>
+            </a:r>
+            <a:r>
+              <a:rPr lang="en-US" baseline="0" dirty="0" err="1" smtClean="0"/>
+              <a:t>các</a:t>
+            </a:r>
+            <a:r>
+              <a:rPr lang="en-US" baseline="0" dirty="0" smtClean="0"/>
+              <a:t> </a:t>
+            </a:r>
+            <a:r>
+              <a:rPr lang="en-US" baseline="0" dirty="0" err="1" smtClean="0"/>
+              <a:t>bảng</a:t>
+            </a:r>
+            <a:r>
+              <a:rPr lang="en-US" baseline="0" dirty="0" smtClean="0"/>
+              <a:t> </a:t>
+            </a:r>
+            <a:r>
+              <a:rPr lang="en-US" baseline="0" dirty="0" err="1" smtClean="0"/>
+              <a:t>và</a:t>
+            </a:r>
+            <a:r>
+              <a:rPr lang="en-US" baseline="0" smtClean="0"/>
+              <a:t> ca</a:t>
+            </a:r>
+            <a:endParaRPr lang="en-US" baseline="0" dirty="0" smtClean="0"/>
+          </a:p>
+          <a:p>
+            <a:endParaRPr lang="en-US" baseline="0" dirty="0" smtClean="0"/>
+          </a:p>
+          <a:p>
+            <a:endParaRPr lang="en-US" dirty="0"/>
+          </a:p>
+        </p:txBody>
+      </p:sp>
+      <p:sp>
+        <p:nvSpPr>
+          <p:cNvPr id="4" name="Slide Number Placeholder 3"/>
+          <p:cNvSpPr>
+            <a:spLocks noGrp="1"/>
+          </p:cNvSpPr>
+          <p:nvPr>
+            <p:ph type="sldNum" sz="quarter" idx="10"/>
+          </p:nvPr>
+        </p:nvSpPr>
+        <p:spPr/>
+        <p:txBody>
+          <a:bodyPr/>
+          <a:lstStyle/>
+          <a:p>
+            <a:fld id="{776FD836-220E-4D31-BB3D-E0AC37C69B63}" type="slidenum">
+              <a:rPr lang="en-US" smtClean="0"/>
+              <a:pPr/>
+              <a:t>13</a:t>
             </a:fld>
             <a:endParaRPr lang="en-US"/>
           </a:p>
@@ -20188,25 +23737,26 @@
           </a:p>
         </p:txBody>
       </p:sp>
-      <p:sp>
-        <p:nvSpPr>
-          <p:cNvPr id="3" name="Content Placeholder 2"/>
-          <p:cNvSpPr>
-            <a:spLocks noGrp="1"/>
-          </p:cNvSpPr>
+      <p:graphicFrame>
+        <p:nvGraphicFramePr>
+          <p:cNvPr id="6" name="Content Placeholder 5"/>
+          <p:cNvGraphicFramePr>
+            <a:graphicFrameLocks noGrp="1"/>
+          </p:cNvGraphicFramePr>
           <p:nvPr>
             <p:ph idx="1"/>
           </p:nvPr>
-        </p:nvSpPr>
-        <p:spPr/>
-        <p:txBody>
-          <a:bodyPr/>
-          <a:lstStyle/>
-          <a:p>
-            <a:endParaRPr lang="en-US" dirty="0"/>
-          </a:p>
-        </p:txBody>
-      </p:sp>
+        </p:nvGraphicFramePr>
+        <p:xfrm>
+          <a:off x="457200" y="1600200"/>
+          <a:ext cx="8229600" cy="4525963"/>
+        </p:xfrm>
+        <a:graphic>
+          <a:graphicData uri="http://schemas.openxmlformats.org/drawingml/2006/diagram">
+            <dgm:relIds xmlns:dgm="http://schemas.openxmlformats.org/drawingml/2006/diagram" xmlns:r="http://schemas.openxmlformats.org/officeDocument/2006/relationships" r:dm="rId3" r:lo="rId4" r:qs="rId5" r:cs="rId6"/>
+          </a:graphicData>
+        </a:graphic>
+      </p:graphicFrame>
     </p:spTree>
   </p:cSld>
   <p:clrMapOvr>
@@ -20215,9 +23765,136 @@
   <p:timing>
     <p:tnLst>
       <p:par>
-        <p:cTn id="1" dur="indefinite" restart="never" nodeType="tmRoot"/>
+        <p:cTn id="1" dur="indefinite" restart="never" nodeType="tmRoot">
+          <p:childTnLst>
+            <p:seq concurrent="1" nextAc="seek">
+              <p:cTn id="2" dur="indefinite" nodeType="mainSeq">
+                <p:childTnLst>
+                  <p:par>
+                    <p:cTn id="3" fill="hold">
+                      <p:stCondLst>
+                        <p:cond delay="indefinite"/>
+                      </p:stCondLst>
+                      <p:childTnLst>
+                        <p:par>
+                          <p:cTn id="4" fill="hold">
+                            <p:stCondLst>
+                              <p:cond delay="0"/>
+                            </p:stCondLst>
+                            <p:childTnLst>
+                              <p:par>
+                                <p:cTn id="5" presetID="55" presetClass="entr" presetSubtype="0" fill="hold" grpId="0" nodeType="clickEffect">
+                                  <p:stCondLst>
+                                    <p:cond delay="0"/>
+                                  </p:stCondLst>
+                                  <p:childTnLst>
+                                    <p:set>
+                                      <p:cBhvr>
+                                        <p:cTn id="6" dur="1" fill="hold">
+                                          <p:stCondLst>
+                                            <p:cond delay="0"/>
+                                          </p:stCondLst>
+                                        </p:cTn>
+                                        <p:tgtEl>
+                                          <p:spTgt spid="6"/>
+                                        </p:tgtEl>
+                                        <p:attrNameLst>
+                                          <p:attrName>style.visibility</p:attrName>
+                                        </p:attrNameLst>
+                                      </p:cBhvr>
+                                      <p:to>
+                                        <p:strVal val="visible"/>
+                                      </p:to>
+                                    </p:set>
+                                    <p:anim calcmode="lin" valueType="num">
+                                      <p:cBhvr>
+                                        <p:cTn id="7" dur="1000" fill="hold"/>
+                                        <p:tgtEl>
+                                          <p:spTgt spid="6"/>
+                                        </p:tgtEl>
+                                        <p:attrNameLst>
+                                          <p:attrName>ppt_w</p:attrName>
+                                        </p:attrNameLst>
+                                      </p:cBhvr>
+                                      <p:tavLst>
+                                        <p:tav tm="0">
+                                          <p:val>
+                                            <p:strVal val="#ppt_w*0.70"/>
+                                          </p:val>
+                                        </p:tav>
+                                        <p:tav tm="100000">
+                                          <p:val>
+                                            <p:strVal val="#ppt_w"/>
+                                          </p:val>
+                                        </p:tav>
+                                      </p:tavLst>
+                                    </p:anim>
+                                    <p:anim calcmode="lin" valueType="num">
+                                      <p:cBhvr>
+                                        <p:cTn id="8" dur="1000" fill="hold"/>
+                                        <p:tgtEl>
+                                          <p:spTgt spid="6"/>
+                                        </p:tgtEl>
+                                        <p:attrNameLst>
+                                          <p:attrName>ppt_h</p:attrName>
+                                        </p:attrNameLst>
+                                      </p:cBhvr>
+                                      <p:tavLst>
+                                        <p:tav tm="0">
+                                          <p:val>
+                                            <p:strVal val="#ppt_h"/>
+                                          </p:val>
+                                        </p:tav>
+                                        <p:tav tm="100000">
+                                          <p:val>
+                                            <p:strVal val="#ppt_h"/>
+                                          </p:val>
+                                        </p:tav>
+                                      </p:tavLst>
+                                    </p:anim>
+                                    <p:animEffect transition="in" filter="fade">
+                                      <p:cBhvr>
+                                        <p:cTn id="9" dur="1000"/>
+                                        <p:tgtEl>
+                                          <p:spTgt spid="6"/>
+                                        </p:tgtEl>
+                                      </p:cBhvr>
+                                    </p:animEffect>
+                                  </p:childTnLst>
+                                </p:cTn>
+                              </p:par>
+                            </p:childTnLst>
+                          </p:cTn>
+                        </p:par>
+                      </p:childTnLst>
+                    </p:cTn>
+                  </p:par>
+                </p:childTnLst>
+              </p:cTn>
+              <p:prevCondLst>
+                <p:cond evt="onPrev" delay="0">
+                  <p:tgtEl>
+                    <p:sldTgt/>
+                  </p:tgtEl>
+                </p:cond>
+              </p:prevCondLst>
+              <p:nextCondLst>
+                <p:cond evt="onNext" delay="0">
+                  <p:tgtEl>
+                    <p:sldTgt/>
+                  </p:tgtEl>
+                </p:cond>
+              </p:nextCondLst>
+            </p:seq>
+          </p:childTnLst>
+        </p:cTn>
       </p:par>
     </p:tnLst>
+    <p:bldLst>
+      <p:bldGraphic spid="6" grpId="0">
+        <p:bldAsOne/>
+      </p:bldGraphic>
+    </p:bldLst>
   </p:timing>
 </p:sld>
 </file>

--- a/Thanh Thảo - 0912431/Seminar/topic#8b chapter 4-5.pptx
+++ b/Thanh Thảo - 0912431/Seminar/topic#8b chapter 4-5.pptx
@@ -4491,6 +4491,13 @@
         </dgm:presLayoutVars>
       </dgm:prSet>
       <dgm:spPr/>
+      <dgm:t>
+        <a:bodyPr/>
+        <a:lstStyle/>
+        <a:p>
+          <a:endParaRPr lang="en-US"/>
+        </a:p>
+      </dgm:t>
     </dgm:pt>
     <dgm:pt modelId="{39146DFF-00A8-44B9-A0E5-CA0B74A40618}" type="pres">
       <dgm:prSet presAssocID="{5FC9284A-2EAD-4317-A81D-CCA07DA433C1}" presName="parentLin" presStyleCnt="0"/>
@@ -4499,6 +4506,13 @@
     <dgm:pt modelId="{5ABCBA09-4E85-4885-80DF-D274ACF697DB}" type="pres">
       <dgm:prSet presAssocID="{5FC9284A-2EAD-4317-A81D-CCA07DA433C1}" presName="parentLeftMargin" presStyleLbl="node1" presStyleIdx="0" presStyleCnt="2"/>
       <dgm:spPr/>
+      <dgm:t>
+        <a:bodyPr/>
+        <a:lstStyle/>
+        <a:p>
+          <a:endParaRPr lang="en-US"/>
+        </a:p>
+      </dgm:t>
     </dgm:pt>
     <dgm:pt modelId="{44B80E79-40B8-496D-82AC-357105294A12}" type="pres">
       <dgm:prSet presAssocID="{5FC9284A-2EAD-4317-A81D-CCA07DA433C1}" presName="parentText" presStyleLbl="node1" presStyleIdx="0" presStyleCnt="2" custScaleX="142857">
@@ -4546,6 +4560,13 @@
     <dgm:pt modelId="{12266E1A-FBF3-46FC-937F-862D51551FC8}" type="pres">
       <dgm:prSet presAssocID="{B789FD7B-3C3B-49AF-A08C-0EC0AD42AA8F}" presName="parentLeftMargin" presStyleLbl="node1" presStyleIdx="0" presStyleCnt="2"/>
       <dgm:spPr/>
+      <dgm:t>
+        <a:bodyPr/>
+        <a:lstStyle/>
+        <a:p>
+          <a:endParaRPr lang="en-US"/>
+        </a:p>
+      </dgm:t>
     </dgm:pt>
     <dgm:pt modelId="{ABF75D69-907E-44CD-8889-E8B29F28B015}" type="pres">
       <dgm:prSet presAssocID="{B789FD7B-3C3B-49AF-A08C-0EC0AD42AA8F}" presName="parentText" presStyleLbl="node1" presStyleIdx="1" presStyleCnt="2" custScaleX="142857">
@@ -4555,6 +4576,13 @@
         </dgm:presLayoutVars>
       </dgm:prSet>
       <dgm:spPr/>
+      <dgm:t>
+        <a:bodyPr/>
+        <a:lstStyle/>
+        <a:p>
+          <a:endParaRPr lang="en-US"/>
+        </a:p>
+      </dgm:t>
     </dgm:pt>
     <dgm:pt modelId="{DCE8E5A6-CAA6-4EC0-B94D-03F4244F7250}" type="pres">
       <dgm:prSet presAssocID="{B789FD7B-3C3B-49AF-A08C-0EC0AD42AA8F}" presName="negativeSpace" presStyleCnt="0"/>
@@ -4570,17 +4598,17 @@
     </dgm:pt>
   </dgm:ptLst>
   <dgm:cxnLst>
-    <dgm:cxn modelId="{3674CD8F-CE02-4BD8-BA50-A72EFA3CE178}" type="presOf" srcId="{40FD9328-27FA-4E83-9371-602E0F6F8B3E}" destId="{A04781C4-0233-4A1F-AAE2-8757A79B61B0}" srcOrd="0" destOrd="0" presId="urn:microsoft.com/office/officeart/2005/8/layout/list1"/>
-    <dgm:cxn modelId="{569115C4-2E5F-4A09-BEAB-8F117EFB3398}" srcId="{5FC9284A-2EAD-4317-A81D-CCA07DA433C1}" destId="{A6FB4D6B-882B-41B0-8E87-53AC385499B0}" srcOrd="0" destOrd="0" parTransId="{81EB60A4-D0D2-4B4B-A890-42DBA42EE2FB}" sibTransId="{107A0A19-BB56-4ABA-944C-251B89EBA1BC}"/>
-    <dgm:cxn modelId="{48CE0C60-F601-49A0-BFF9-279E7907FDC0}" type="presOf" srcId="{A6FB4D6B-882B-41B0-8E87-53AC385499B0}" destId="{F33055AE-4172-4B7F-BE45-2FD32D5023A2}" srcOrd="0" destOrd="0" presId="urn:microsoft.com/office/officeart/2005/8/layout/list1"/>
-    <dgm:cxn modelId="{12F5A2DE-B234-4F05-9A49-E72043FFFAD1}" srcId="{5FC9284A-2EAD-4317-A81D-CCA07DA433C1}" destId="{65438A69-570F-45C0-AC49-3425DC83915C}" srcOrd="1" destOrd="0" parTransId="{AA01D66A-D2E3-4F56-B195-02455894B803}" sibTransId="{D2B52579-1C9D-41E5-9DA7-6ABC4A9B0EBB}"/>
+    <dgm:cxn modelId="{076A1CC9-10A0-4145-BC9D-E9B9218EE1B7}" type="presOf" srcId="{5FC9284A-2EAD-4317-A81D-CCA07DA433C1}" destId="{44B80E79-40B8-496D-82AC-357105294A12}" srcOrd="1" destOrd="0" presId="urn:microsoft.com/office/officeart/2005/8/layout/list1"/>
     <dgm:cxn modelId="{81CFD252-7DED-4AD6-8A33-283E6A67D15D}" type="presOf" srcId="{B789FD7B-3C3B-49AF-A08C-0EC0AD42AA8F}" destId="{12266E1A-FBF3-46FC-937F-862D51551FC8}" srcOrd="0" destOrd="0" presId="urn:microsoft.com/office/officeart/2005/8/layout/list1"/>
     <dgm:cxn modelId="{C4442E40-FC2B-40EA-82DF-279A07CA413B}" type="presOf" srcId="{B789FD7B-3C3B-49AF-A08C-0EC0AD42AA8F}" destId="{ABF75D69-907E-44CD-8889-E8B29F28B015}" srcOrd="1" destOrd="0" presId="urn:microsoft.com/office/officeart/2005/8/layout/list1"/>
     <dgm:cxn modelId="{A32220B4-B451-4BDA-9E0F-01EE5D88C475}" srcId="{40FD9328-27FA-4E83-9371-602E0F6F8B3E}" destId="{5FC9284A-2EAD-4317-A81D-CCA07DA433C1}" srcOrd="0" destOrd="0" parTransId="{EBC2549F-9B3C-4A34-B0AA-E309ED6C96A8}" sibTransId="{5581B500-F207-4C2A-99F7-F0F1475E1A04}"/>
     <dgm:cxn modelId="{474DC384-1551-40A8-852D-011A45B22F32}" srcId="{40FD9328-27FA-4E83-9371-602E0F6F8B3E}" destId="{B789FD7B-3C3B-49AF-A08C-0EC0AD42AA8F}" srcOrd="1" destOrd="0" parTransId="{E05618AD-E849-4D72-85A6-D6B61CFCDFDA}" sibTransId="{FE733EBB-6A0D-4A60-BBD2-C2B358646F93}"/>
-    <dgm:cxn modelId="{076A1CC9-10A0-4145-BC9D-E9B9218EE1B7}" type="presOf" srcId="{5FC9284A-2EAD-4317-A81D-CCA07DA433C1}" destId="{44B80E79-40B8-496D-82AC-357105294A12}" srcOrd="1" destOrd="0" presId="urn:microsoft.com/office/officeart/2005/8/layout/list1"/>
+    <dgm:cxn modelId="{E8C08656-FB6E-48D1-9325-FD674CA53349}" type="presOf" srcId="{5FC9284A-2EAD-4317-A81D-CCA07DA433C1}" destId="{5ABCBA09-4E85-4885-80DF-D274ACF697DB}" srcOrd="0" destOrd="0" presId="urn:microsoft.com/office/officeart/2005/8/layout/list1"/>
+    <dgm:cxn modelId="{3674CD8F-CE02-4BD8-BA50-A72EFA3CE178}" type="presOf" srcId="{40FD9328-27FA-4E83-9371-602E0F6F8B3E}" destId="{A04781C4-0233-4A1F-AAE2-8757A79B61B0}" srcOrd="0" destOrd="0" presId="urn:microsoft.com/office/officeart/2005/8/layout/list1"/>
+    <dgm:cxn modelId="{12F5A2DE-B234-4F05-9A49-E72043FFFAD1}" srcId="{5FC9284A-2EAD-4317-A81D-CCA07DA433C1}" destId="{65438A69-570F-45C0-AC49-3425DC83915C}" srcOrd="1" destOrd="0" parTransId="{AA01D66A-D2E3-4F56-B195-02455894B803}" sibTransId="{D2B52579-1C9D-41E5-9DA7-6ABC4A9B0EBB}"/>
+    <dgm:cxn modelId="{48CE0C60-F601-49A0-BFF9-279E7907FDC0}" type="presOf" srcId="{A6FB4D6B-882B-41B0-8E87-53AC385499B0}" destId="{F33055AE-4172-4B7F-BE45-2FD32D5023A2}" srcOrd="0" destOrd="0" presId="urn:microsoft.com/office/officeart/2005/8/layout/list1"/>
     <dgm:cxn modelId="{910120BA-112F-400C-B8EA-72CBA456CBAB}" type="presOf" srcId="{65438A69-570F-45C0-AC49-3425DC83915C}" destId="{F33055AE-4172-4B7F-BE45-2FD32D5023A2}" srcOrd="0" destOrd="1" presId="urn:microsoft.com/office/officeart/2005/8/layout/list1"/>
-    <dgm:cxn modelId="{E8C08656-FB6E-48D1-9325-FD674CA53349}" type="presOf" srcId="{5FC9284A-2EAD-4317-A81D-CCA07DA433C1}" destId="{5ABCBA09-4E85-4885-80DF-D274ACF697DB}" srcOrd="0" destOrd="0" presId="urn:microsoft.com/office/officeart/2005/8/layout/list1"/>
+    <dgm:cxn modelId="{569115C4-2E5F-4A09-BEAB-8F117EFB3398}" srcId="{5FC9284A-2EAD-4317-A81D-CCA07DA433C1}" destId="{A6FB4D6B-882B-41B0-8E87-53AC385499B0}" srcOrd="0" destOrd="0" parTransId="{81EB60A4-D0D2-4B4B-A890-42DBA42EE2FB}" sibTransId="{107A0A19-BB56-4ABA-944C-251B89EBA1BC}"/>
     <dgm:cxn modelId="{FD537318-1FA4-4E61-AB53-AC18C27DB05E}" type="presParOf" srcId="{A04781C4-0233-4A1F-AAE2-8757A79B61B0}" destId="{39146DFF-00A8-44B9-A0E5-CA0B74A40618}" srcOrd="0" destOrd="0" presId="urn:microsoft.com/office/officeart/2005/8/layout/list1"/>
     <dgm:cxn modelId="{B7F1FE94-B355-4968-82F3-AF4120B6F73B}" type="presParOf" srcId="{39146DFF-00A8-44B9-A0E5-CA0B74A40618}" destId="{5ABCBA09-4E85-4885-80DF-D274ACF697DB}" srcOrd="0" destOrd="0" presId="urn:microsoft.com/office/officeart/2005/8/layout/list1"/>
     <dgm:cxn modelId="{382A56E4-EBC3-4FD7-8B65-B12121663045}" type="presParOf" srcId="{39146DFF-00A8-44B9-A0E5-CA0B74A40618}" destId="{44B80E79-40B8-496D-82AC-357105294A12}" srcOrd="1" destOrd="0" presId="urn:microsoft.com/office/officeart/2005/8/layout/list1"/>
@@ -20462,6 +20490,9 @@
   <p:clrMapOvr>
     <a:masterClrMapping/>
   </p:clrMapOvr>
+  <p:transition>
+    <p:fade/>
+  </p:transition>
   <p:timing>
     <p:tnLst>
       <p:par>
@@ -20950,6 +20981,9 @@
   <p:clrMapOvr>
     <a:masterClrMapping/>
   </p:clrMapOvr>
+  <p:transition>
+    <p:fade/>
+  </p:transition>
   <p:timing>
     <p:tnLst>
       <p:par>
@@ -22537,6 +22571,9 @@
   <p:clrMapOvr>
     <a:masterClrMapping/>
   </p:clrMapOvr>
+  <p:transition>
+    <p:fade/>
+  </p:transition>
   <p:timing>
     <p:tnLst>
       <p:par>
@@ -23441,6 +23478,9 @@
   <p:clrMapOvr>
     <a:masterClrMapping/>
   </p:clrMapOvr>
+  <p:transition>
+    <p:fade/>
+  </p:transition>
   <p:timing>
     <p:tnLst>
       <p:par>
@@ -23762,6 +23802,9 @@
   <p:clrMapOvr>
     <a:masterClrMapping/>
   </p:clrMapOvr>
+  <p:transition>
+    <p:fade/>
+  </p:transition>
   <p:timing>
     <p:tnLst>
       <p:par>
@@ -24297,7 +24340,9 @@
   <p:clrMapOvr>
     <a:masterClrMapping/>
   </p:clrMapOvr>
-  <p:transition/>
+  <p:transition>
+    <p:fade/>
+  </p:transition>
   <p:timing>
     <p:tnLst>
       <p:par>
@@ -25401,6 +25446,9 @@
   <p:clrMapOvr>
     <a:masterClrMapping/>
   </p:clrMapOvr>
+  <p:transition>
+    <p:fade/>
+  </p:transition>
   <p:timing>
     <p:tnLst>
       <p:par>
@@ -25993,6 +26041,9 @@
   <p:clrMapOvr>
     <a:masterClrMapping/>
   </p:clrMapOvr>
+  <p:transition>
+    <p:fade/>
+  </p:transition>
   <p:timing>
     <p:tnLst>
       <p:par>
@@ -26335,6 +26386,9 @@
   <p:clrMapOvr>
     <a:masterClrMapping/>
   </p:clrMapOvr>
+  <p:transition>
+    <p:fade/>
+  </p:transition>
   <p:timing>
     <p:tnLst>
       <p:par>
@@ -26525,6 +26579,9 @@
   <p:clrMapOvr>
     <a:masterClrMapping/>
   </p:clrMapOvr>
+  <p:transition>
+    <p:fade/>
+  </p:transition>
   <p:timing>
     <p:tnLst>
       <p:par>
@@ -26951,6 +27008,9 @@
   <p:clrMapOvr>
     <a:masterClrMapping/>
   </p:clrMapOvr>
+  <p:transition>
+    <p:fade/>
+  </p:transition>
   <p:timing>
     <p:tnLst>
       <p:par>
@@ -27247,6 +27307,9 @@
   <p:clrMapOvr>
     <a:masterClrMapping/>
   </p:clrMapOvr>
+  <p:transition>
+    <p:fade/>
+  </p:transition>
   <p:timing>
     <p:tnLst>
       <p:par>
@@ -28123,6 +28186,9 @@
   <p:clrMapOvr>
     <a:masterClrMapping/>
   </p:clrMapOvr>
+  <p:transition>
+    <p:fade/>
+  </p:transition>
   <p:timing>
     <p:tnLst>
       <p:par>
